--- a/final_project.pptx
+++ b/final_project.pptx
@@ -1008,7 +1008,7 @@
           <a:p>
             <a:fld id="{B5C9D4C7-2A7A-4558-9AF2-ECDB9A11A868}" type="datetimeFigureOut">
               <a:rPr lang="zh-TW" altLang="en-US" smtClean="0"/>
-              <a:t>2024/11/14</a:t>
+              <a:t>2024/11/30</a:t>
             </a:fld>
             <a:endParaRPr lang="zh-TW" altLang="en-US"/>
           </a:p>
@@ -1422,7 +1422,7 @@
           <a:p>
             <a:fld id="{747013A2-7E41-42DF-8B10-B9BDF0926F1C}" type="datetimeFigureOut">
               <a:rPr lang="zh-TW" altLang="en-US" smtClean="0"/>
-              <a:t>2024/11/14</a:t>
+              <a:t>2024/11/30</a:t>
             </a:fld>
             <a:endParaRPr lang="zh-TW" altLang="en-US"/>
           </a:p>
@@ -1620,7 +1620,7 @@
           <a:p>
             <a:fld id="{747013A2-7E41-42DF-8B10-B9BDF0926F1C}" type="datetimeFigureOut">
               <a:rPr lang="zh-TW" altLang="en-US" smtClean="0"/>
-              <a:t>2024/11/14</a:t>
+              <a:t>2024/11/30</a:t>
             </a:fld>
             <a:endParaRPr lang="zh-TW" altLang="en-US"/>
           </a:p>
@@ -1828,7 +1828,7 @@
           <a:p>
             <a:fld id="{747013A2-7E41-42DF-8B10-B9BDF0926F1C}" type="datetimeFigureOut">
               <a:rPr lang="zh-TW" altLang="en-US" smtClean="0"/>
-              <a:t>2024/11/14</a:t>
+              <a:t>2024/11/30</a:t>
             </a:fld>
             <a:endParaRPr lang="zh-TW" altLang="en-US"/>
           </a:p>
@@ -2026,7 +2026,7 @@
           <a:p>
             <a:fld id="{747013A2-7E41-42DF-8B10-B9BDF0926F1C}" type="datetimeFigureOut">
               <a:rPr lang="zh-TW" altLang="en-US" smtClean="0"/>
-              <a:t>2024/11/14</a:t>
+              <a:t>2024/11/30</a:t>
             </a:fld>
             <a:endParaRPr lang="zh-TW" altLang="en-US"/>
           </a:p>
@@ -2301,7 +2301,7 @@
           <a:p>
             <a:fld id="{747013A2-7E41-42DF-8B10-B9BDF0926F1C}" type="datetimeFigureOut">
               <a:rPr lang="zh-TW" altLang="en-US" smtClean="0"/>
-              <a:t>2024/11/14</a:t>
+              <a:t>2024/11/30</a:t>
             </a:fld>
             <a:endParaRPr lang="zh-TW" altLang="en-US"/>
           </a:p>
@@ -2566,7 +2566,7 @@
           <a:p>
             <a:fld id="{747013A2-7E41-42DF-8B10-B9BDF0926F1C}" type="datetimeFigureOut">
               <a:rPr lang="zh-TW" altLang="en-US" smtClean="0"/>
-              <a:t>2024/11/14</a:t>
+              <a:t>2024/11/30</a:t>
             </a:fld>
             <a:endParaRPr lang="zh-TW" altLang="en-US"/>
           </a:p>
@@ -2978,7 +2978,7 @@
           <a:p>
             <a:fld id="{747013A2-7E41-42DF-8B10-B9BDF0926F1C}" type="datetimeFigureOut">
               <a:rPr lang="zh-TW" altLang="en-US" smtClean="0"/>
-              <a:t>2024/11/14</a:t>
+              <a:t>2024/11/30</a:t>
             </a:fld>
             <a:endParaRPr lang="zh-TW" altLang="en-US"/>
           </a:p>
@@ -3119,7 +3119,7 @@
           <a:p>
             <a:fld id="{747013A2-7E41-42DF-8B10-B9BDF0926F1C}" type="datetimeFigureOut">
               <a:rPr lang="zh-TW" altLang="en-US" smtClean="0"/>
-              <a:t>2024/11/14</a:t>
+              <a:t>2024/11/30</a:t>
             </a:fld>
             <a:endParaRPr lang="zh-TW" altLang="en-US"/>
           </a:p>
@@ -3232,7 +3232,7 @@
           <a:p>
             <a:fld id="{747013A2-7E41-42DF-8B10-B9BDF0926F1C}" type="datetimeFigureOut">
               <a:rPr lang="zh-TW" altLang="en-US" smtClean="0"/>
-              <a:t>2024/11/14</a:t>
+              <a:t>2024/11/30</a:t>
             </a:fld>
             <a:endParaRPr lang="zh-TW" altLang="en-US"/>
           </a:p>
@@ -3543,7 +3543,7 @@
           <a:p>
             <a:fld id="{747013A2-7E41-42DF-8B10-B9BDF0926F1C}" type="datetimeFigureOut">
               <a:rPr lang="zh-TW" altLang="en-US" smtClean="0"/>
-              <a:t>2024/11/14</a:t>
+              <a:t>2024/11/30</a:t>
             </a:fld>
             <a:endParaRPr lang="zh-TW" altLang="en-US"/>
           </a:p>
@@ -3831,7 +3831,7 @@
           <a:p>
             <a:fld id="{747013A2-7E41-42DF-8B10-B9BDF0926F1C}" type="datetimeFigureOut">
               <a:rPr lang="zh-TW" altLang="en-US" smtClean="0"/>
-              <a:t>2024/11/14</a:t>
+              <a:t>2024/11/30</a:t>
             </a:fld>
             <a:endParaRPr lang="zh-TW" altLang="en-US"/>
           </a:p>
@@ -4072,7 +4072,7 @@
           <a:p>
             <a:fld id="{747013A2-7E41-42DF-8B10-B9BDF0926F1C}" type="datetimeFigureOut">
               <a:rPr lang="zh-TW" altLang="en-US" smtClean="0"/>
-              <a:t>2024/11/14</a:t>
+              <a:t>2024/11/30</a:t>
             </a:fld>
             <a:endParaRPr lang="zh-TW" altLang="en-US"/>
           </a:p>
@@ -4772,7 +4772,7 @@
                 <a:latin typeface="Source Han Sans TC"/>
                 <a:ea typeface="Source Han Sans TC"/>
               </a:rPr>
-              <a:t>自走車推球遊戲</a:t>
+              <a:t>協力自走車推球遊戲</a:t>
             </a:r>
             <a:endParaRPr kumimoji="1" lang="en-US" altLang="zh-TW" sz="4000" b="1" dirty="0">
               <a:solidFill>
@@ -8102,7 +8102,7 @@
         <p:spPr>
           <a:xfrm>
             <a:off x="2428884" y="2239859"/>
-            <a:ext cx="7896216" cy="2677656"/>
+            <a:ext cx="7896216" cy="2215991"/>
           </a:xfrm>
           <a:prstGeom prst="rect">
             <a:avLst/>
@@ -8181,7 +8181,7 @@
                 <a:latin typeface="微軟正黑體" panose="020B0604030504040204" pitchFamily="34" charset="-120"/>
                 <a:ea typeface="微軟正黑體" panose="020B0604030504040204" pitchFamily="34" charset="-120"/>
               </a:rPr>
-              <a:t>Led driver, seg driver, Led matrix driver</a:t>
+              <a:t>Led driver, seg driver</a:t>
             </a:r>
             <a:r>
               <a:rPr lang="zh-TW" altLang="en-US" sz="2000" dirty="0">
@@ -8189,33 +8189,6 @@
                 <a:ea typeface="微軟正黑體" panose="020B0604030504040204" pitchFamily="34" charset="-120"/>
               </a:rPr>
               <a:t>分別做到對其硬體的控制。</a:t>
-            </a:r>
-            <a:endParaRPr lang="en-US" altLang="zh-TW" sz="2000" dirty="0">
-              <a:latin typeface="微軟正黑體" panose="020B0604030504040204" pitchFamily="34" charset="-120"/>
-              <a:ea typeface="微軟正黑體" panose="020B0604030504040204" pitchFamily="34" charset="-120"/>
-            </a:endParaRPr>
-          </a:p>
-          <a:p>
-            <a:pPr marL="285750" indent="-285750">
-              <a:lnSpc>
-                <a:spcPct val="150000"/>
-              </a:lnSpc>
-              <a:buFont typeface="Arial" panose="020B0604020202020204" pitchFamily="34" charset="0"/>
-              <a:buChar char="•"/>
-            </a:pPr>
-            <a:r>
-              <a:rPr lang="en-US" altLang="zh-TW" sz="2000" dirty="0" err="1">
-                <a:latin typeface="微軟正黑體" panose="020B0604030504040204" pitchFamily="34" charset="-120"/>
-                <a:ea typeface="微軟正黑體" panose="020B0604030504040204" pitchFamily="34" charset="-120"/>
-              </a:rPr>
-              <a:t>Tkinter</a:t>
-            </a:r>
-            <a:r>
-              <a:rPr lang="zh-TW" altLang="en-US" sz="2000" dirty="0">
-                <a:latin typeface="微軟正黑體" panose="020B0604030504040204" pitchFamily="34" charset="-120"/>
-                <a:ea typeface="微軟正黑體" panose="020B0604030504040204" pitchFamily="34" charset="-120"/>
-              </a:rPr>
-              <a:t>用於建立使用者操作介面。</a:t>
             </a:r>
             <a:endParaRPr lang="en-US" altLang="zh-TW" sz="2000" dirty="0">
               <a:latin typeface="微軟正黑體" panose="020B0604030504040204" pitchFamily="34" charset="-120"/>
@@ -9576,59 +9549,6 @@
       </p:sp>
       <p:sp>
         <p:nvSpPr>
-          <p:cNvPr id="12" name="圆角矩形 2">
-            <a:extLst>
-              <a:ext uri="{FF2B5EF4-FFF2-40B4-BE49-F238E27FC236}">
-                <a16:creationId xmlns:a16="http://schemas.microsoft.com/office/drawing/2014/main" id="{94B6E181-FCE5-AD1E-C130-52C0FEAE7AD1}"/>
-              </a:ext>
-            </a:extLst>
-          </p:cNvPr>
-          <p:cNvSpPr/>
-          <p:nvPr/>
-        </p:nvSpPr>
-        <p:spPr>
-          <a:xfrm rot="2700000">
-            <a:off x="-312170" y="-1089625"/>
-            <a:ext cx="2909672" cy="2909672"/>
-          </a:xfrm>
-          <a:prstGeom prst="roundRect">
-            <a:avLst/>
-          </a:prstGeom>
-          <a:solidFill>
-            <a:srgbClr val="274C77"/>
-          </a:solidFill>
-          <a:ln>
-            <a:noFill/>
-          </a:ln>
-          <a:effectLst/>
-        </p:spPr>
-        <p:style>
-          <a:lnRef idx="2">
-            <a:schemeClr val="accent1">
-              <a:shade val="50000"/>
-            </a:schemeClr>
-          </a:lnRef>
-          <a:fillRef idx="1">
-            <a:schemeClr val="accent1"/>
-          </a:fillRef>
-          <a:effectRef idx="0">
-            <a:schemeClr val="accent1"/>
-          </a:effectRef>
-          <a:fontRef idx="minor">
-            <a:schemeClr val="lt1"/>
-          </a:fontRef>
-        </p:style>
-        <p:txBody>
-          <a:bodyPr rtlCol="0" anchor="ctr"/>
-          <a:lstStyle/>
-          <a:p>
-            <a:pPr algn="ctr"/>
-            <a:endParaRPr kumimoji="1" lang="zh-CN" altLang="en-US"/>
-          </a:p>
-        </p:txBody>
-      </p:sp>
-      <p:sp>
-        <p:nvSpPr>
           <p:cNvPr id="13" name="圆角矩形 3">
             <a:extLst>
               <a:ext uri="{FF2B5EF4-FFF2-40B4-BE49-F238E27FC236}">
@@ -9684,10 +9604,10 @@
       </p:sp>
       <p:sp>
         <p:nvSpPr>
-          <p:cNvPr id="14" name="圆角矩形 4">
-            <a:extLst>
-              <a:ext uri="{FF2B5EF4-FFF2-40B4-BE49-F238E27FC236}">
-                <a16:creationId xmlns:a16="http://schemas.microsoft.com/office/drawing/2014/main" id="{3042E695-DF33-5196-1F09-DDE3DC33E24B}"/>
+          <p:cNvPr id="17" name="圆角矩形 10">
+            <a:extLst>
+              <a:ext uri="{FF2B5EF4-FFF2-40B4-BE49-F238E27FC236}">
+                <a16:creationId xmlns:a16="http://schemas.microsoft.com/office/drawing/2014/main" id="{88149EAC-8167-CCB2-9AA1-77C73CA71EE2}"/>
               </a:ext>
             </a:extLst>
           </p:cNvPr>
@@ -9696,8 +9616,8 @@
         </p:nvSpPr>
         <p:spPr>
           <a:xfrm rot="18900000">
-            <a:off x="8191946" y="4498025"/>
-            <a:ext cx="4401208" cy="540095"/>
+            <a:off x="2813798" y="95164"/>
+            <a:ext cx="2094546" cy="540095"/>
           </a:xfrm>
           <a:prstGeom prst="roundRect">
             <a:avLst>
@@ -9739,10 +9659,10 @@
       </p:sp>
       <p:sp>
         <p:nvSpPr>
-          <p:cNvPr id="15" name="圆角矩形 5">
-            <a:extLst>
-              <a:ext uri="{FF2B5EF4-FFF2-40B4-BE49-F238E27FC236}">
-                <a16:creationId xmlns:a16="http://schemas.microsoft.com/office/drawing/2014/main" id="{CA286E24-3ED1-5162-D56A-488D49C6D866}"/>
+          <p:cNvPr id="19" name="圆角矩形 12">
+            <a:extLst>
+              <a:ext uri="{FF2B5EF4-FFF2-40B4-BE49-F238E27FC236}">
+                <a16:creationId xmlns:a16="http://schemas.microsoft.com/office/drawing/2014/main" id="{F29E3F05-CAC7-FC8F-26E0-CA7BAB244F94}"/>
               </a:ext>
             </a:extLst>
           </p:cNvPr>
@@ -9751,8 +9671,8 @@
         </p:nvSpPr>
         <p:spPr>
           <a:xfrm rot="18900000">
-            <a:off x="6849930" y="6095497"/>
-            <a:ext cx="2409079" cy="315721"/>
+            <a:off x="599859" y="6628023"/>
+            <a:ext cx="2009627" cy="180220"/>
           </a:xfrm>
           <a:prstGeom prst="roundRect">
             <a:avLst>
@@ -9794,226 +9714,6 @@
       </p:sp>
       <p:sp>
         <p:nvSpPr>
-          <p:cNvPr id="16" name="圆角矩形 9">
-            <a:extLst>
-              <a:ext uri="{FF2B5EF4-FFF2-40B4-BE49-F238E27FC236}">
-                <a16:creationId xmlns:a16="http://schemas.microsoft.com/office/drawing/2014/main" id="{B0D36280-229C-029F-6876-6214A46B666F}"/>
-              </a:ext>
-            </a:extLst>
-          </p:cNvPr>
-          <p:cNvSpPr/>
-          <p:nvPr/>
-        </p:nvSpPr>
-        <p:spPr>
-          <a:xfrm rot="18900000">
-            <a:off x="3943528" y="7686"/>
-            <a:ext cx="2009627" cy="180220"/>
-          </a:xfrm>
-          <a:prstGeom prst="roundRect">
-            <a:avLst>
-              <a:gd name="adj" fmla="val 50000"/>
-            </a:avLst>
-          </a:prstGeom>
-          <a:solidFill>
-            <a:srgbClr val="A3CEF1"/>
-          </a:solidFill>
-          <a:ln>
-            <a:noFill/>
-          </a:ln>
-          <a:effectLst/>
-        </p:spPr>
-        <p:style>
-          <a:lnRef idx="2">
-            <a:schemeClr val="accent1">
-              <a:shade val="50000"/>
-            </a:schemeClr>
-          </a:lnRef>
-          <a:fillRef idx="1">
-            <a:schemeClr val="accent1"/>
-          </a:fillRef>
-          <a:effectRef idx="0">
-            <a:schemeClr val="accent1"/>
-          </a:effectRef>
-          <a:fontRef idx="minor">
-            <a:schemeClr val="lt1"/>
-          </a:fontRef>
-        </p:style>
-        <p:txBody>
-          <a:bodyPr rtlCol="0" anchor="ctr"/>
-          <a:lstStyle/>
-          <a:p>
-            <a:pPr algn="ctr"/>
-            <a:endParaRPr kumimoji="1" lang="zh-CN" altLang="en-US"/>
-          </a:p>
-        </p:txBody>
-      </p:sp>
-      <p:sp>
-        <p:nvSpPr>
-          <p:cNvPr id="17" name="圆角矩形 10">
-            <a:extLst>
-              <a:ext uri="{FF2B5EF4-FFF2-40B4-BE49-F238E27FC236}">
-                <a16:creationId xmlns:a16="http://schemas.microsoft.com/office/drawing/2014/main" id="{88149EAC-8167-CCB2-9AA1-77C73CA71EE2}"/>
-              </a:ext>
-            </a:extLst>
-          </p:cNvPr>
-          <p:cNvSpPr/>
-          <p:nvPr/>
-        </p:nvSpPr>
-        <p:spPr>
-          <a:xfrm rot="18900000">
-            <a:off x="2813798" y="95164"/>
-            <a:ext cx="2094546" cy="540095"/>
-          </a:xfrm>
-          <a:prstGeom prst="roundRect">
-            <a:avLst>
-              <a:gd name="adj" fmla="val 50000"/>
-            </a:avLst>
-          </a:prstGeom>
-          <a:solidFill>
-            <a:srgbClr val="6096BA"/>
-          </a:solidFill>
-          <a:ln>
-            <a:noFill/>
-          </a:ln>
-          <a:effectLst/>
-        </p:spPr>
-        <p:style>
-          <a:lnRef idx="2">
-            <a:schemeClr val="accent1">
-              <a:shade val="50000"/>
-            </a:schemeClr>
-          </a:lnRef>
-          <a:fillRef idx="1">
-            <a:schemeClr val="accent1"/>
-          </a:fillRef>
-          <a:effectRef idx="0">
-            <a:schemeClr val="accent1"/>
-          </a:effectRef>
-          <a:fontRef idx="minor">
-            <a:schemeClr val="lt1"/>
-          </a:fontRef>
-        </p:style>
-        <p:txBody>
-          <a:bodyPr rtlCol="0" anchor="ctr"/>
-          <a:lstStyle/>
-          <a:p>
-            <a:pPr algn="ctr"/>
-            <a:endParaRPr kumimoji="1" lang="zh-CN" altLang="en-US"/>
-          </a:p>
-        </p:txBody>
-      </p:sp>
-      <p:sp>
-        <p:nvSpPr>
-          <p:cNvPr id="18" name="圆角矩形 11">
-            <a:extLst>
-              <a:ext uri="{FF2B5EF4-FFF2-40B4-BE49-F238E27FC236}">
-                <a16:creationId xmlns:a16="http://schemas.microsoft.com/office/drawing/2014/main" id="{68840696-F5D4-B97F-F799-454B9038DA77}"/>
-              </a:ext>
-            </a:extLst>
-          </p:cNvPr>
-          <p:cNvSpPr/>
-          <p:nvPr/>
-        </p:nvSpPr>
-        <p:spPr>
-          <a:xfrm rot="2700000">
-            <a:off x="-2701551" y="3438917"/>
-            <a:ext cx="4186559" cy="4186559"/>
-          </a:xfrm>
-          <a:prstGeom prst="roundRect">
-            <a:avLst/>
-          </a:prstGeom>
-          <a:solidFill>
-            <a:schemeClr val="bg1">
-              <a:lumMod val="95000"/>
-            </a:schemeClr>
-          </a:solidFill>
-          <a:ln>
-            <a:noFill/>
-          </a:ln>
-          <a:effectLst/>
-        </p:spPr>
-        <p:style>
-          <a:lnRef idx="2">
-            <a:schemeClr val="accent1">
-              <a:shade val="50000"/>
-            </a:schemeClr>
-          </a:lnRef>
-          <a:fillRef idx="1">
-            <a:schemeClr val="accent1"/>
-          </a:fillRef>
-          <a:effectRef idx="0">
-            <a:schemeClr val="accent1"/>
-          </a:effectRef>
-          <a:fontRef idx="minor">
-            <a:schemeClr val="lt1"/>
-          </a:fontRef>
-        </p:style>
-        <p:txBody>
-          <a:bodyPr rtlCol="0" anchor="ctr"/>
-          <a:lstStyle/>
-          <a:p>
-            <a:pPr algn="ctr"/>
-            <a:endParaRPr kumimoji="1" lang="zh-CN" altLang="en-US"/>
-          </a:p>
-        </p:txBody>
-      </p:sp>
-      <p:sp>
-        <p:nvSpPr>
-          <p:cNvPr id="19" name="圆角矩形 12">
-            <a:extLst>
-              <a:ext uri="{FF2B5EF4-FFF2-40B4-BE49-F238E27FC236}">
-                <a16:creationId xmlns:a16="http://schemas.microsoft.com/office/drawing/2014/main" id="{F29E3F05-CAC7-FC8F-26E0-CA7BAB244F94}"/>
-              </a:ext>
-            </a:extLst>
-          </p:cNvPr>
-          <p:cNvSpPr/>
-          <p:nvPr/>
-        </p:nvSpPr>
-        <p:spPr>
-          <a:xfrm rot="18900000">
-            <a:off x="599859" y="6628023"/>
-            <a:ext cx="2009627" cy="180220"/>
-          </a:xfrm>
-          <a:prstGeom prst="roundRect">
-            <a:avLst>
-              <a:gd name="adj" fmla="val 50000"/>
-            </a:avLst>
-          </a:prstGeom>
-          <a:solidFill>
-            <a:srgbClr val="A3CEF1"/>
-          </a:solidFill>
-          <a:ln>
-            <a:noFill/>
-          </a:ln>
-          <a:effectLst/>
-        </p:spPr>
-        <p:style>
-          <a:lnRef idx="2">
-            <a:schemeClr val="accent1">
-              <a:shade val="50000"/>
-            </a:schemeClr>
-          </a:lnRef>
-          <a:fillRef idx="1">
-            <a:schemeClr val="accent1"/>
-          </a:fillRef>
-          <a:effectRef idx="0">
-            <a:schemeClr val="accent1"/>
-          </a:effectRef>
-          <a:fontRef idx="minor">
-            <a:schemeClr val="lt1"/>
-          </a:fontRef>
-        </p:style>
-        <p:txBody>
-          <a:bodyPr rtlCol="0" anchor="ctr"/>
-          <a:lstStyle/>
-          <a:p>
-            <a:pPr algn="ctr"/>
-            <a:endParaRPr kumimoji="1" lang="zh-CN" altLang="en-US"/>
-          </a:p>
-        </p:txBody>
-      </p:sp>
-      <p:sp>
-        <p:nvSpPr>
           <p:cNvPr id="20" name="圆角矩形 13">
             <a:extLst>
               <a:ext uri="{FF2B5EF4-FFF2-40B4-BE49-F238E27FC236}">
@@ -10079,7 +9779,7 @@
         </p:nvSpPr>
         <p:spPr>
           <a:xfrm>
-            <a:off x="2921000" y="749359"/>
+            <a:off x="2929584" y="749694"/>
             <a:ext cx="6841334" cy="874522"/>
           </a:xfrm>
           <a:prstGeom prst="rect">
@@ -10162,7 +9862,7 @@
         </p:blipFill>
         <p:spPr>
           <a:xfrm>
-            <a:off x="2276084" y="4365461"/>
+            <a:off x="2031366" y="4870015"/>
             <a:ext cx="1685720" cy="1685720"/>
           </a:xfrm>
           <a:prstGeom prst="rect">
@@ -10184,7 +9884,7 @@
         </p:nvGrpSpPr>
         <p:grpSpPr>
           <a:xfrm>
-            <a:off x="2271518" y="1339909"/>
+            <a:off x="2271518" y="1586649"/>
             <a:ext cx="2624216" cy="1939828"/>
             <a:chOff x="1275861" y="1081230"/>
             <a:chExt cx="2624216" cy="1939828"/>
@@ -10334,14 +10034,14 @@
             <a:p>
               <a:pPr algn="ctr"/>
               <a:r>
-                <a:rPr lang="en-US" altLang="zh-TW" dirty="0">
+                <a:rPr lang="en-US" altLang="zh-TW" sz="1400" dirty="0">
                   <a:solidFill>
                     <a:schemeClr val="tx1"/>
                   </a:solidFill>
                 </a:rPr>
                 <a:t>Camera stream</a:t>
               </a:r>
-              <a:endParaRPr lang="zh-TW" altLang="en-US" dirty="0">
+              <a:endParaRPr lang="zh-TW" altLang="en-US" sz="1400" dirty="0">
                 <a:solidFill>
                   <a:schemeClr val="tx1"/>
                 </a:solidFill>
@@ -10407,7 +10107,7 @@
           </p:nvSpPr>
           <p:spPr>
             <a:xfrm>
-              <a:off x="2241820" y="2557010"/>
+              <a:off x="2067649" y="2557010"/>
               <a:ext cx="155995" cy="101600"/>
             </a:xfrm>
             <a:prstGeom prst="rightArrow">
@@ -10453,7 +10153,7 @@
           </p:nvSpPr>
           <p:spPr>
             <a:xfrm>
-              <a:off x="1516003" y="2557009"/>
+              <a:off x="1668400" y="2557009"/>
               <a:ext cx="174718" cy="101601"/>
             </a:xfrm>
             <a:prstGeom prst="leftArrow">
@@ -10499,7 +10199,7 @@
           </p:nvSpPr>
           <p:spPr>
             <a:xfrm rot="16200000">
-              <a:off x="1869265" y="2296505"/>
+              <a:off x="1869265" y="2347304"/>
               <a:ext cx="172201" cy="101600"/>
             </a:xfrm>
             <a:prstGeom prst="rightArrow">
@@ -10545,7 +10245,7 @@
           </p:nvSpPr>
           <p:spPr>
             <a:xfrm rot="5400000">
-              <a:off x="1888359" y="2822627"/>
+              <a:off x="1888359" y="2750057"/>
               <a:ext cx="160689" cy="101600"/>
             </a:xfrm>
             <a:prstGeom prst="rightArrow">
@@ -10623,7 +10323,7 @@
             <a:p>
               <a:pPr algn="ctr"/>
               <a:r>
-                <a:rPr lang="zh-TW" altLang="en-US" dirty="0">
+                <a:rPr lang="zh-TW" altLang="en-US" sz="1200" dirty="0">
                   <a:solidFill>
                     <a:schemeClr val="tx1"/>
                   </a:solidFill>
@@ -10633,7 +10333,7 @@
                 <a:t>使用者登入</a:t>
               </a:r>
               <a:br>
-                <a:rPr lang="en-US" altLang="zh-TW" dirty="0">
+                <a:rPr lang="en-US" altLang="zh-TW" sz="1200" dirty="0">
                   <a:solidFill>
                     <a:schemeClr val="tx1"/>
                   </a:solidFill>
@@ -10642,7 +10342,7 @@
                 </a:rPr>
               </a:br>
               <a:r>
-                <a:rPr lang="zh-TW" altLang="en-US" dirty="0">
+                <a:rPr lang="zh-TW" altLang="en-US" sz="1200" dirty="0">
                   <a:solidFill>
                     <a:schemeClr val="tx1"/>
                   </a:solidFill>
@@ -10651,7 +10351,7 @@
                 </a:rPr>
                 <a:t>排行榜</a:t>
               </a:r>
-              <a:endParaRPr lang="en-US" altLang="zh-TW" dirty="0">
+              <a:endParaRPr lang="en-US" altLang="zh-TW" sz="1200" dirty="0">
                 <a:solidFill>
                   <a:schemeClr val="tx1"/>
                 </a:solidFill>
@@ -10662,7 +10362,7 @@
             <a:p>
               <a:pPr algn="ctr"/>
               <a:r>
-                <a:rPr lang="zh-TW" altLang="en-US" dirty="0">
+                <a:rPr lang="zh-TW" altLang="en-US" sz="1200" dirty="0">
                   <a:solidFill>
                     <a:schemeClr val="tx1"/>
                   </a:solidFill>
@@ -10672,7 +10372,7 @@
                 <a:t>時間</a:t>
               </a:r>
               <a:br>
-                <a:rPr lang="en-US" altLang="zh-TW" dirty="0">
+                <a:rPr lang="en-US" altLang="zh-TW" sz="1200" dirty="0">
                   <a:solidFill>
                     <a:schemeClr val="tx1"/>
                   </a:solidFill>
@@ -10681,7 +10381,7 @@
                 </a:rPr>
               </a:br>
               <a:r>
-                <a:rPr lang="zh-TW" altLang="en-US" dirty="0">
+                <a:rPr lang="zh-TW" altLang="en-US" sz="1200" dirty="0">
                   <a:solidFill>
                     <a:schemeClr val="tx1"/>
                   </a:solidFill>
@@ -10690,7 +10390,7 @@
                 </a:rPr>
                 <a:t>計分數</a:t>
               </a:r>
-              <a:endParaRPr lang="zh-TW" altLang="en-US" dirty="0">
+              <a:endParaRPr lang="zh-TW" altLang="en-US" sz="1200" dirty="0">
                 <a:latin typeface="微軟正黑體" panose="020B0604030504040204" pitchFamily="34" charset="-120"/>
                 <a:ea typeface="微軟正黑體" panose="020B0604030504040204" pitchFamily="34" charset="-120"/>
               </a:endParaRPr>
@@ -10712,7 +10412,7 @@
         </p:nvCxnSpPr>
         <p:spPr>
           <a:xfrm>
-            <a:off x="3310626" y="3491272"/>
+            <a:off x="2441871" y="3694121"/>
             <a:ext cx="0" cy="1183907"/>
           </a:xfrm>
           <a:prstGeom prst="line">
@@ -10749,12 +10449,14 @@
           <p:nvPr/>
         </p:nvCxnSpPr>
         <p:spPr>
-          <a:xfrm>
-            <a:off x="5036469" y="2146182"/>
-            <a:ext cx="3662421" cy="1948840"/>
-          </a:xfrm>
-          <a:prstGeom prst="bentConnector2">
-            <a:avLst/>
+          <a:xfrm rot="16200000" flipH="1">
+            <a:off x="4579964" y="2849425"/>
+            <a:ext cx="2426292" cy="1513284"/>
+          </a:xfrm>
+          <a:prstGeom prst="bentConnector3">
+            <a:avLst>
+              <a:gd name="adj1" fmla="val 648"/>
+            </a:avLst>
           </a:prstGeom>
         </p:spPr>
         <p:style>
@@ -10800,8 +10502,8 @@
         </p:blipFill>
         <p:spPr>
           <a:xfrm>
-            <a:off x="7473886" y="3738457"/>
-            <a:ext cx="2028510" cy="2028510"/>
+            <a:off x="5938915" y="4640784"/>
+            <a:ext cx="1231441" cy="1231441"/>
           </a:xfrm>
           <a:prstGeom prst="rect">
             <a:avLst/>
@@ -10810,10 +10512,10 @@
       </p:pic>
       <p:sp>
         <p:nvSpPr>
-          <p:cNvPr id="42" name="文字方塊 41">
-            <a:extLst>
-              <a:ext uri="{FF2B5EF4-FFF2-40B4-BE49-F238E27FC236}">
-                <a16:creationId xmlns:a16="http://schemas.microsoft.com/office/drawing/2014/main" id="{FAD384DE-AD3D-5A69-585B-EE6F02D450E6}"/>
+          <p:cNvPr id="43" name="文字方塊 42">
+            <a:extLst>
+              <a:ext uri="{FF2B5EF4-FFF2-40B4-BE49-F238E27FC236}">
+                <a16:creationId xmlns:a16="http://schemas.microsoft.com/office/drawing/2014/main" id="{C791C5C9-BD3F-78B4-9980-2A035FBC9BE5}"/>
               </a:ext>
             </a:extLst>
           </p:cNvPr>
@@ -10822,8 +10524,8 @@
         </p:nvSpPr>
         <p:spPr>
           <a:xfrm>
-            <a:off x="6867679" y="2260455"/>
-            <a:ext cx="1861442" cy="646331"/>
+            <a:off x="2184421" y="4979505"/>
+            <a:ext cx="1796853" cy="276999"/>
           </a:xfrm>
           <a:prstGeom prst="rect">
             <a:avLst/>
@@ -10837,156 +10539,777 @@
           <a:lstStyle/>
           <a:p>
             <a:r>
-              <a:rPr lang="en-US" altLang="zh-TW" dirty="0">
+              <a:rPr lang="en-US" altLang="zh-TW" sz="1200" dirty="0">
+                <a:latin typeface="微軟正黑體" panose="020B0604030504040204" pitchFamily="34" charset="-120"/>
+                <a:ea typeface="微軟正黑體" panose="020B0604030504040204" pitchFamily="34" charset="-120"/>
+              </a:rPr>
+              <a:t>SSH</a:t>
+            </a:r>
+            <a:r>
+              <a:rPr lang="zh-TW" altLang="en-US" sz="1200" dirty="0">
+                <a:latin typeface="微軟正黑體" panose="020B0604030504040204" pitchFamily="34" charset="-120"/>
+                <a:ea typeface="微軟正黑體" panose="020B0604030504040204" pitchFamily="34" charset="-120"/>
+              </a:rPr>
+              <a:t>無線連線</a:t>
+            </a:r>
+          </a:p>
+        </p:txBody>
+      </p:sp>
+      <p:cxnSp>
+        <p:nvCxnSpPr>
+          <p:cNvPr id="45" name="直線接點 44">
+            <a:extLst>
+              <a:ext uri="{FF2B5EF4-FFF2-40B4-BE49-F238E27FC236}">
+                <a16:creationId xmlns:a16="http://schemas.microsoft.com/office/drawing/2014/main" id="{C5E6A0D0-1468-06C4-2444-6EBE43BEA651}"/>
+              </a:ext>
+            </a:extLst>
+          </p:cNvPr>
+          <p:cNvCxnSpPr>
+            <a:cxnSpLocks/>
+          </p:cNvCxnSpPr>
+          <p:nvPr/>
+        </p:nvCxnSpPr>
+        <p:spPr>
+          <a:xfrm>
+            <a:off x="3717086" y="5662073"/>
+            <a:ext cx="2219257" cy="0"/>
+          </a:xfrm>
+          <a:prstGeom prst="line">
+            <a:avLst/>
+          </a:prstGeom>
+        </p:spPr>
+        <p:style>
+          <a:lnRef idx="2">
+            <a:schemeClr val="dk1"/>
+          </a:lnRef>
+          <a:fillRef idx="0">
+            <a:schemeClr val="dk1"/>
+          </a:fillRef>
+          <a:effectRef idx="1">
+            <a:schemeClr val="dk1"/>
+          </a:effectRef>
+          <a:fontRef idx="minor">
+            <a:schemeClr val="tx1"/>
+          </a:fontRef>
+        </p:style>
+      </p:cxnSp>
+      <p:pic>
+        <p:nvPicPr>
+          <p:cNvPr id="49" name="圖片 48" descr="一張含有 網 的圖片&#10;&#10;自動產生的描述">
+            <a:extLst>
+              <a:ext uri="{FF2B5EF4-FFF2-40B4-BE49-F238E27FC236}">
+                <a16:creationId xmlns:a16="http://schemas.microsoft.com/office/drawing/2014/main" id="{BB5178CD-7E97-D255-0B76-C7B6C8FD0E44}"/>
+              </a:ext>
+            </a:extLst>
+          </p:cNvPr>
+          <p:cNvPicPr>
+            <a:picLocks noChangeAspect="1"/>
+          </p:cNvPicPr>
+          <p:nvPr/>
+        </p:nvPicPr>
+        <p:blipFill>
+          <a:blip r:embed="rId4">
+            <a:extLst>
+              <a:ext uri="{28A0092B-C50C-407E-A947-70E740481C1C}">
+                <a14:useLocalDpi xmlns:a14="http://schemas.microsoft.com/office/drawing/2010/main" val="0"/>
+              </a:ext>
+            </a:extLst>
+          </a:blip>
+          <a:stretch>
+            <a:fillRect/>
+          </a:stretch>
+        </p:blipFill>
+        <p:spPr>
+          <a:xfrm>
+            <a:off x="5971705" y="5326921"/>
+            <a:ext cx="1551341" cy="1034227"/>
+          </a:xfrm>
+          <a:prstGeom prst="rect">
+            <a:avLst/>
+          </a:prstGeom>
+        </p:spPr>
+      </p:pic>
+      <p:pic>
+        <p:nvPicPr>
+          <p:cNvPr id="54" name="圖片 53" descr="一張含有 文字, 電子產品 的圖片&#10;&#10;自動產生的描述">
+            <a:extLst>
+              <a:ext uri="{FF2B5EF4-FFF2-40B4-BE49-F238E27FC236}">
+                <a16:creationId xmlns:a16="http://schemas.microsoft.com/office/drawing/2014/main" id="{27BE110B-B299-143A-126C-54B35FF93BE9}"/>
+              </a:ext>
+            </a:extLst>
+          </p:cNvPr>
+          <p:cNvPicPr>
+            <a:picLocks noChangeAspect="1"/>
+          </p:cNvPicPr>
+          <p:nvPr/>
+        </p:nvPicPr>
+        <p:blipFill>
+          <a:blip r:embed="rId5">
+            <a:extLst>
+              <a:ext uri="{28A0092B-C50C-407E-A947-70E740481C1C}">
+                <a14:useLocalDpi xmlns:a14="http://schemas.microsoft.com/office/drawing/2010/main" val="0"/>
+              </a:ext>
+            </a:extLst>
+          </a:blip>
+          <a:stretch>
+            <a:fillRect/>
+          </a:stretch>
+        </p:blipFill>
+        <p:spPr>
+          <a:xfrm>
+            <a:off x="5390595" y="4997276"/>
+            <a:ext cx="628984" cy="1108210"/>
+          </a:xfrm>
+          <a:prstGeom prst="rect">
+            <a:avLst/>
+          </a:prstGeom>
+        </p:spPr>
+      </p:pic>
+      <p:pic>
+        <p:nvPicPr>
+          <p:cNvPr id="61" name="圖片 60" descr="一張含有 文字, 電子產品 的圖片&#10;&#10;自動產生的描述">
+            <a:extLst>
+              <a:ext uri="{FF2B5EF4-FFF2-40B4-BE49-F238E27FC236}">
+                <a16:creationId xmlns:a16="http://schemas.microsoft.com/office/drawing/2014/main" id="{5C08FF8D-7B1F-CDE4-FA11-BA95109B9C16}"/>
+              </a:ext>
+            </a:extLst>
+          </p:cNvPr>
+          <p:cNvPicPr>
+            <a:picLocks noChangeAspect="1"/>
+          </p:cNvPicPr>
+          <p:nvPr/>
+        </p:nvPicPr>
+        <p:blipFill>
+          <a:blip r:embed="rId5">
+            <a:extLst>
+              <a:ext uri="{28A0092B-C50C-407E-A947-70E740481C1C}">
+                <a14:useLocalDpi xmlns:a14="http://schemas.microsoft.com/office/drawing/2010/main" val="0"/>
+              </a:ext>
+            </a:extLst>
+          </a:blip>
+          <a:stretch>
+            <a:fillRect/>
+          </a:stretch>
+        </p:blipFill>
+        <p:spPr>
+          <a:xfrm>
+            <a:off x="1096001" y="3536271"/>
+            <a:ext cx="628984" cy="1108210"/>
+          </a:xfrm>
+          <a:prstGeom prst="rect">
+            <a:avLst/>
+          </a:prstGeom>
+        </p:spPr>
+      </p:pic>
+      <p:cxnSp>
+        <p:nvCxnSpPr>
+          <p:cNvPr id="65" name="接點: 肘形 64">
+            <a:extLst>
+              <a:ext uri="{FF2B5EF4-FFF2-40B4-BE49-F238E27FC236}">
+                <a16:creationId xmlns:a16="http://schemas.microsoft.com/office/drawing/2014/main" id="{622C4279-E879-C69F-6694-F9A498F01F3E}"/>
+              </a:ext>
+            </a:extLst>
+          </p:cNvPr>
+          <p:cNvCxnSpPr/>
+          <p:nvPr/>
+        </p:nvCxnSpPr>
+        <p:spPr>
+          <a:xfrm rot="16200000" flipV="1">
+            <a:off x="1296950" y="5091436"/>
+            <a:ext cx="738771" cy="462006"/>
+          </a:xfrm>
+          <a:prstGeom prst="bentConnector3">
+            <a:avLst>
+              <a:gd name="adj1" fmla="val -812"/>
+            </a:avLst>
+          </a:prstGeom>
+          <a:ln>
+            <a:tailEnd type="triangle"/>
+          </a:ln>
+        </p:spPr>
+        <p:style>
+          <a:lnRef idx="2">
+            <a:schemeClr val="dk1"/>
+          </a:lnRef>
+          <a:fillRef idx="0">
+            <a:schemeClr val="dk1"/>
+          </a:fillRef>
+          <a:effectRef idx="1">
+            <a:schemeClr val="dk1"/>
+          </a:effectRef>
+          <a:fontRef idx="minor">
+            <a:schemeClr val="tx1"/>
+          </a:fontRef>
+        </p:style>
+      </p:cxnSp>
+      <p:cxnSp>
+        <p:nvCxnSpPr>
+          <p:cNvPr id="68" name="接點: 肘形 67">
+            <a:extLst>
+              <a:ext uri="{FF2B5EF4-FFF2-40B4-BE49-F238E27FC236}">
+                <a16:creationId xmlns:a16="http://schemas.microsoft.com/office/drawing/2014/main" id="{B508FEA7-40F5-F75A-D5D9-C1731FB03A48}"/>
+              </a:ext>
+            </a:extLst>
+          </p:cNvPr>
+          <p:cNvCxnSpPr>
+            <a:stCxn id="61" idx="0"/>
+          </p:cNvCxnSpPr>
+          <p:nvPr/>
+        </p:nvCxnSpPr>
+        <p:spPr>
+          <a:xfrm rot="5400000" flipH="1" flipV="1">
+            <a:off x="1125100" y="2679264"/>
+            <a:ext cx="1142401" cy="571615"/>
+          </a:xfrm>
+          <a:prstGeom prst="bentConnector3">
+            <a:avLst>
+              <a:gd name="adj1" fmla="val 100553"/>
+            </a:avLst>
+          </a:prstGeom>
+          <a:ln>
+            <a:tailEnd type="triangle"/>
+          </a:ln>
+        </p:spPr>
+        <p:style>
+          <a:lnRef idx="2">
+            <a:schemeClr val="dk1"/>
+          </a:lnRef>
+          <a:fillRef idx="0">
+            <a:schemeClr val="dk1"/>
+          </a:fillRef>
+          <a:effectRef idx="1">
+            <a:schemeClr val="dk1"/>
+          </a:effectRef>
+          <a:fontRef idx="minor">
+            <a:schemeClr val="tx1"/>
+          </a:fontRef>
+        </p:style>
+      </p:cxnSp>
+      <p:sp>
+        <p:nvSpPr>
+          <p:cNvPr id="2" name="矩形 1">
+            <a:extLst>
+              <a:ext uri="{FF2B5EF4-FFF2-40B4-BE49-F238E27FC236}">
+                <a16:creationId xmlns:a16="http://schemas.microsoft.com/office/drawing/2014/main" id="{733D4C07-AA68-05B9-C439-51D62560C797}"/>
+              </a:ext>
+            </a:extLst>
+          </p:cNvPr>
+          <p:cNvSpPr/>
+          <p:nvPr/>
+        </p:nvSpPr>
+        <p:spPr>
+          <a:xfrm>
+            <a:off x="7571541" y="3013426"/>
+            <a:ext cx="2940700" cy="3184729"/>
+          </a:xfrm>
+          <a:prstGeom prst="rect">
+            <a:avLst/>
+          </a:prstGeom>
+          <a:solidFill>
+            <a:schemeClr val="tx2">
+              <a:lumMod val="10000"/>
+              <a:lumOff val="90000"/>
+            </a:schemeClr>
+          </a:solidFill>
+        </p:spPr>
+        <p:style>
+          <a:lnRef idx="2">
+            <a:schemeClr val="accent1">
+              <a:shade val="15000"/>
+            </a:schemeClr>
+          </a:lnRef>
+          <a:fillRef idx="1">
+            <a:schemeClr val="accent1"/>
+          </a:fillRef>
+          <a:effectRef idx="0">
+            <a:schemeClr val="accent1"/>
+          </a:effectRef>
+          <a:fontRef idx="minor">
+            <a:schemeClr val="lt1"/>
+          </a:fontRef>
+        </p:style>
+        <p:txBody>
+          <a:bodyPr rtlCol="0" anchor="ctr"/>
+          <a:lstStyle/>
+          <a:p>
+            <a:pPr algn="ctr"/>
+            <a:endParaRPr lang="zh-TW" altLang="en-US" dirty="0"/>
+          </a:p>
+        </p:txBody>
+      </p:sp>
+      <p:sp>
+        <p:nvSpPr>
+          <p:cNvPr id="3" name="文字方塊 2">
+            <a:extLst>
+              <a:ext uri="{FF2B5EF4-FFF2-40B4-BE49-F238E27FC236}">
+                <a16:creationId xmlns:a16="http://schemas.microsoft.com/office/drawing/2014/main" id="{5C12CBFE-A69B-DF82-A88C-C35072139795}"/>
+              </a:ext>
+            </a:extLst>
+          </p:cNvPr>
+          <p:cNvSpPr txBox="1"/>
+          <p:nvPr/>
+        </p:nvSpPr>
+        <p:spPr>
+          <a:xfrm>
+            <a:off x="7505778" y="2690725"/>
+            <a:ext cx="986869" cy="307777"/>
+          </a:xfrm>
+          <a:prstGeom prst="rect">
+            <a:avLst/>
+          </a:prstGeom>
+          <a:noFill/>
+        </p:spPr>
+        <p:txBody>
+          <a:bodyPr wrap="square" rtlCol="0">
+            <a:spAutoFit/>
+          </a:bodyPr>
+          <a:lstStyle/>
+          <a:p>
+            <a:r>
+              <a:rPr lang="en-US" altLang="zh-TW" sz="1400" dirty="0"/>
+              <a:t>server</a:t>
+            </a:r>
+            <a:endParaRPr lang="zh-TW" altLang="en-US" sz="1400" dirty="0"/>
+          </a:p>
+        </p:txBody>
+      </p:sp>
+      <p:sp>
+        <p:nvSpPr>
+          <p:cNvPr id="10" name="矩形 9">
+            <a:extLst>
+              <a:ext uri="{FF2B5EF4-FFF2-40B4-BE49-F238E27FC236}">
+                <a16:creationId xmlns:a16="http://schemas.microsoft.com/office/drawing/2014/main" id="{BDF662C1-B960-5C33-AADD-13F9D36AC711}"/>
+              </a:ext>
+            </a:extLst>
+          </p:cNvPr>
+          <p:cNvSpPr/>
+          <p:nvPr/>
+        </p:nvSpPr>
+        <p:spPr>
+          <a:xfrm>
+            <a:off x="7645643" y="3333445"/>
+            <a:ext cx="2764971" cy="1054268"/>
+          </a:xfrm>
+          <a:prstGeom prst="rect">
+            <a:avLst/>
+          </a:prstGeom>
+          <a:solidFill>
+            <a:schemeClr val="tx2">
+              <a:lumMod val="25000"/>
+              <a:lumOff val="75000"/>
+            </a:schemeClr>
+          </a:solidFill>
+        </p:spPr>
+        <p:style>
+          <a:lnRef idx="2">
+            <a:schemeClr val="accent1">
+              <a:shade val="15000"/>
+            </a:schemeClr>
+          </a:lnRef>
+          <a:fillRef idx="1">
+            <a:schemeClr val="accent1"/>
+          </a:fillRef>
+          <a:effectRef idx="0">
+            <a:schemeClr val="accent1"/>
+          </a:effectRef>
+          <a:fontRef idx="minor">
+            <a:schemeClr val="lt1"/>
+          </a:fontRef>
+        </p:style>
+        <p:txBody>
+          <a:bodyPr rtlCol="0" anchor="ctr"/>
+          <a:lstStyle/>
+          <a:p>
+            <a:r>
+              <a:rPr lang="en-US" altLang="zh-TW" sz="1200" dirty="0">
+                <a:solidFill>
+                  <a:schemeClr val="tx1"/>
+                </a:solidFill>
+                <a:latin typeface="微軟正黑體" panose="020B0604030504040204" pitchFamily="34" charset="-120"/>
+                <a:ea typeface="微軟正黑體" panose="020B0604030504040204" pitchFamily="34" charset="-120"/>
+              </a:rPr>
+              <a:t>1.  </a:t>
+            </a:r>
+            <a:r>
+              <a:rPr lang="zh-TW" altLang="en-US" sz="1200" dirty="0">
+                <a:solidFill>
+                  <a:schemeClr val="tx1"/>
+                </a:solidFill>
+                <a:latin typeface="微軟正黑體" panose="020B0604030504040204" pitchFamily="34" charset="-120"/>
+                <a:ea typeface="微軟正黑體" panose="020B0604030504040204" pitchFamily="34" charset="-120"/>
+              </a:rPr>
+              <a:t>利用</a:t>
+            </a:r>
+            <a:r>
+              <a:rPr lang="en-US" altLang="zh-TW" sz="1200" dirty="0">
+                <a:solidFill>
+                  <a:schemeClr val="tx1"/>
+                </a:solidFill>
                 <a:latin typeface="微軟正黑體" panose="020B0604030504040204" pitchFamily="34" charset="-120"/>
                 <a:ea typeface="微軟正黑體" panose="020B0604030504040204" pitchFamily="34" charset="-120"/>
               </a:rPr>
               <a:t>socket</a:t>
             </a:r>
             <a:r>
-              <a:rPr lang="zh-TW" altLang="en-US" dirty="0">
+              <a:rPr lang="zh-TW" altLang="en-US" sz="1200" dirty="0">
+                <a:solidFill>
+                  <a:schemeClr val="tx1"/>
+                </a:solidFill>
                 <a:latin typeface="微軟正黑體" panose="020B0604030504040204" pitchFamily="34" charset="-120"/>
                 <a:ea typeface="微軟正黑體" panose="020B0604030504040204" pitchFamily="34" charset="-120"/>
               </a:rPr>
-              <a:t>無線連線</a:t>
+              <a:t>和玩家連線</a:t>
             </a:r>
-            <a:endParaRPr lang="en-US" altLang="zh-TW" dirty="0">
+            <a:endParaRPr lang="en-US" altLang="zh-TW" sz="1200" dirty="0">
+              <a:solidFill>
+                <a:schemeClr val="tx1"/>
+              </a:solidFill>
               <a:latin typeface="微軟正黑體" panose="020B0604030504040204" pitchFamily="34" charset="-120"/>
               <a:ea typeface="微軟正黑體" panose="020B0604030504040204" pitchFamily="34" charset="-120"/>
             </a:endParaRPr>
           </a:p>
           <a:p>
+            <a:pPr marL="228600" indent="-228600">
+              <a:buAutoNum type="arabicPeriod" startAt="2"/>
+            </a:pPr>
             <a:r>
-              <a:rPr lang="zh-TW" altLang="en-US" dirty="0">
+              <a:rPr lang="zh-TW" altLang="en-US" sz="1200" dirty="0">
+                <a:solidFill>
+                  <a:schemeClr val="tx1"/>
+                </a:solidFill>
                 <a:latin typeface="微軟正黑體" panose="020B0604030504040204" pitchFamily="34" charset="-120"/>
                 <a:ea typeface="微軟正黑體" panose="020B0604030504040204" pitchFamily="34" charset="-120"/>
               </a:rPr>
-              <a:t>讀取遊戲資訊</a:t>
+              <a:t>處理玩家的請求如開始遊戲、索取排行榜</a:t>
             </a:r>
-            <a:endParaRPr lang="zh-TW" altLang="en-US" dirty="0"/>
-          </a:p>
-        </p:txBody>
-      </p:sp>
-      <p:sp>
-        <p:nvSpPr>
-          <p:cNvPr id="43" name="文字方塊 42">
-            <a:extLst>
-              <a:ext uri="{FF2B5EF4-FFF2-40B4-BE49-F238E27FC236}">
-                <a16:creationId xmlns:a16="http://schemas.microsoft.com/office/drawing/2014/main" id="{C791C5C9-BD3F-78B4-9980-2A035FBC9BE5}"/>
-              </a:ext>
-            </a:extLst>
-          </p:cNvPr>
-          <p:cNvSpPr txBox="1"/>
-          <p:nvPr/>
-        </p:nvSpPr>
-        <p:spPr>
-          <a:xfrm>
-            <a:off x="3347083" y="3760149"/>
-            <a:ext cx="1796853" cy="923330"/>
-          </a:xfrm>
-          <a:prstGeom prst="rect">
-            <a:avLst/>
-          </a:prstGeom>
-          <a:noFill/>
-        </p:spPr>
-        <p:txBody>
-          <a:bodyPr wrap="square" rtlCol="0">
-            <a:spAutoFit/>
-          </a:bodyPr>
-          <a:lstStyle/>
-          <a:p>
             <a:r>
-              <a:rPr lang="en-US" altLang="zh-TW" dirty="0">
+              <a:rPr lang="en-US" altLang="zh-TW" sz="1200" dirty="0">
+                <a:solidFill>
+                  <a:schemeClr val="tx1"/>
+                </a:solidFill>
+                <a:latin typeface="微軟正黑體" panose="020B0604030504040204" pitchFamily="34" charset="-120"/>
+                <a:ea typeface="微軟正黑體" panose="020B0604030504040204" pitchFamily="34" charset="-120"/>
+              </a:rPr>
+              <a:t>(</a:t>
+            </a:r>
+            <a:r>
+              <a:rPr lang="zh-TW" altLang="en-US" sz="1200" dirty="0">
+                <a:solidFill>
+                  <a:schemeClr val="tx1"/>
+                </a:solidFill>
+                <a:latin typeface="微軟正黑體" panose="020B0604030504040204" pitchFamily="34" charset="-120"/>
+                <a:ea typeface="微軟正黑體" panose="020B0604030504040204" pitchFamily="34" charset="-120"/>
+              </a:rPr>
+              <a:t>用</a:t>
+            </a:r>
+            <a:r>
+              <a:rPr lang="en-US" altLang="zh-TW" sz="1200" dirty="0">
+                <a:solidFill>
+                  <a:schemeClr val="tx1"/>
+                </a:solidFill>
                 <a:latin typeface="微軟正黑體" panose="020B0604030504040204" pitchFamily="34" charset="-120"/>
                 <a:ea typeface="微軟正黑體" panose="020B0604030504040204" pitchFamily="34" charset="-120"/>
               </a:rPr>
               <a:t>socket</a:t>
             </a:r>
             <a:r>
-              <a:rPr lang="zh-TW" altLang="en-US" dirty="0">
+              <a:rPr lang="zh-TW" altLang="en-US" sz="1200" dirty="0">
+                <a:solidFill>
+                  <a:schemeClr val="tx1"/>
+                </a:solidFill>
                 <a:latin typeface="微軟正黑體" panose="020B0604030504040204" pitchFamily="34" charset="-120"/>
                 <a:ea typeface="微軟正黑體" panose="020B0604030504040204" pitchFamily="34" charset="-120"/>
               </a:rPr>
-              <a:t>無線連線</a:t>
+              <a:t>把排行榜傳過去</a:t>
             </a:r>
-            <a:br>
-              <a:rPr lang="en-US" altLang="zh-TW" dirty="0">
+            <a:r>
+              <a:rPr lang="en-US" altLang="zh-TW" sz="1200" dirty="0">
+                <a:solidFill>
+                  <a:schemeClr val="tx1"/>
+                </a:solidFill>
                 <a:latin typeface="微軟正黑體" panose="020B0604030504040204" pitchFamily="34" charset="-120"/>
                 <a:ea typeface="微軟正黑體" panose="020B0604030504040204" pitchFamily="34" charset="-120"/>
               </a:rPr>
-            </a:br>
+              <a:t>)</a:t>
+            </a:r>
             <a:r>
-              <a:rPr lang="zh-TW" altLang="en-US" dirty="0">
+              <a:rPr lang="zh-TW" altLang="en-US" sz="1200" dirty="0">
+                <a:solidFill>
+                  <a:schemeClr val="tx1"/>
+                </a:solidFill>
                 <a:latin typeface="微軟正黑體" panose="020B0604030504040204" pitchFamily="34" charset="-120"/>
                 <a:ea typeface="微軟正黑體" panose="020B0604030504040204" pitchFamily="34" charset="-120"/>
               </a:rPr>
-              <a:t>控制自走車</a:t>
+              <a:t>，也負責將排行榜寫入</a:t>
             </a:r>
-            <a:endParaRPr lang="en-US" altLang="zh-TW" dirty="0">
+            <a:r>
+              <a:rPr lang="en-US" altLang="zh-TW" sz="1200" dirty="0">
+                <a:solidFill>
+                  <a:schemeClr val="tx1"/>
+                </a:solidFill>
+                <a:latin typeface="微軟正黑體" panose="020B0604030504040204" pitchFamily="34" charset="-120"/>
+                <a:ea typeface="微軟正黑體" panose="020B0604030504040204" pitchFamily="34" charset="-120"/>
+              </a:rPr>
+              <a:t>shared memory</a:t>
+            </a:r>
+          </a:p>
+        </p:txBody>
+      </p:sp>
+      <p:sp>
+        <p:nvSpPr>
+          <p:cNvPr id="11" name="矩形 10">
+            <a:extLst>
+              <a:ext uri="{FF2B5EF4-FFF2-40B4-BE49-F238E27FC236}">
+                <a16:creationId xmlns:a16="http://schemas.microsoft.com/office/drawing/2014/main" id="{B6393A0D-2C81-4E6B-650C-85715DB3CFAB}"/>
+              </a:ext>
+            </a:extLst>
+          </p:cNvPr>
+          <p:cNvSpPr/>
+          <p:nvPr/>
+        </p:nvSpPr>
+        <p:spPr>
+          <a:xfrm>
+            <a:off x="7659405" y="4739631"/>
+            <a:ext cx="2764971" cy="1365855"/>
+          </a:xfrm>
+          <a:prstGeom prst="rect">
+            <a:avLst/>
+          </a:prstGeom>
+          <a:solidFill>
+            <a:schemeClr val="tx2">
+              <a:lumMod val="25000"/>
+              <a:lumOff val="75000"/>
+            </a:schemeClr>
+          </a:solidFill>
+        </p:spPr>
+        <p:style>
+          <a:lnRef idx="2">
+            <a:schemeClr val="accent1">
+              <a:shade val="15000"/>
+            </a:schemeClr>
+          </a:lnRef>
+          <a:fillRef idx="1">
+            <a:schemeClr val="accent1"/>
+          </a:fillRef>
+          <a:effectRef idx="0">
+            <a:schemeClr val="accent1"/>
+          </a:effectRef>
+          <a:fontRef idx="minor">
+            <a:schemeClr val="lt1"/>
+          </a:fontRef>
+        </p:style>
+        <p:txBody>
+          <a:bodyPr rtlCol="0" anchor="ctr"/>
+          <a:lstStyle/>
+          <a:p>
+            <a:pPr marL="342900" indent="-342900">
+              <a:buAutoNum type="arabicPeriod"/>
+            </a:pPr>
+            <a:r>
+              <a:rPr lang="zh-TW" altLang="en-US" sz="1200" dirty="0">
+                <a:solidFill>
+                  <a:schemeClr val="tx1"/>
+                </a:solidFill>
+                <a:latin typeface="微軟正黑體" panose="020B0604030504040204" pitchFamily="34" charset="-120"/>
+                <a:ea typeface="微軟正黑體" panose="020B0604030504040204" pitchFamily="34" charset="-120"/>
+              </a:rPr>
+              <a:t>使用</a:t>
+            </a:r>
+            <a:r>
+              <a:rPr lang="en-US" altLang="zh-TW" sz="1200" dirty="0" err="1">
+                <a:solidFill>
+                  <a:schemeClr val="tx1"/>
+                </a:solidFill>
+                <a:latin typeface="微軟正黑體" panose="020B0604030504040204" pitchFamily="34" charset="-120"/>
+                <a:ea typeface="微軟正黑體" panose="020B0604030504040204" pitchFamily="34" charset="-120"/>
+              </a:rPr>
+              <a:t>execlp</a:t>
+            </a:r>
+            <a:r>
+              <a:rPr lang="zh-TW" altLang="en-US" sz="1200" dirty="0">
+                <a:solidFill>
+                  <a:schemeClr val="tx1"/>
+                </a:solidFill>
+                <a:latin typeface="微軟正黑體" panose="020B0604030504040204" pitchFamily="34" charset="-120"/>
+                <a:ea typeface="微軟正黑體" panose="020B0604030504040204" pitchFamily="34" charset="-120"/>
+              </a:rPr>
+              <a:t>執行</a:t>
+            </a:r>
+            <a:r>
+              <a:rPr lang="en-US" altLang="zh-TW" sz="1200" dirty="0">
+                <a:solidFill>
+                  <a:schemeClr val="tx1"/>
+                </a:solidFill>
+                <a:latin typeface="微軟正黑體" panose="020B0604030504040204" pitchFamily="34" charset="-120"/>
+                <a:ea typeface="微軟正黑體" panose="020B0604030504040204" pitchFamily="34" charset="-120"/>
+              </a:rPr>
+              <a:t>detect_ball.py</a:t>
+            </a:r>
+            <a:r>
+              <a:rPr lang="zh-TW" altLang="en-US" sz="1200" dirty="0">
+                <a:solidFill>
+                  <a:schemeClr val="tx1"/>
+                </a:solidFill>
+                <a:latin typeface="微軟正黑體" panose="020B0604030504040204" pitchFamily="34" charset="-120"/>
+                <a:ea typeface="微軟正黑體" panose="020B0604030504040204" pitchFamily="34" charset="-120"/>
+              </a:rPr>
+              <a:t>，用於偵測球數</a:t>
+            </a:r>
+            <a:endParaRPr lang="en-US" altLang="zh-TW" sz="1200" dirty="0">
+              <a:solidFill>
+                <a:schemeClr val="tx1"/>
+              </a:solidFill>
               <a:latin typeface="微軟正黑體" panose="020B0604030504040204" pitchFamily="34" charset="-120"/>
               <a:ea typeface="微軟正黑體" panose="020B0604030504040204" pitchFamily="34" charset="-120"/>
             </a:endParaRPr>
           </a:p>
           <a:p>
-            <a:endParaRPr lang="zh-TW" altLang="en-US" dirty="0"/>
-          </a:p>
-        </p:txBody>
-      </p:sp>
-      <p:cxnSp>
-        <p:nvCxnSpPr>
-          <p:cNvPr id="45" name="直線接點 44">
-            <a:extLst>
-              <a:ext uri="{FF2B5EF4-FFF2-40B4-BE49-F238E27FC236}">
-                <a16:creationId xmlns:a16="http://schemas.microsoft.com/office/drawing/2014/main" id="{C5E6A0D0-1468-06C4-2444-6EBE43BEA651}"/>
-              </a:ext>
-            </a:extLst>
-          </p:cNvPr>
-          <p:cNvCxnSpPr>
-            <a:cxnSpLocks/>
-            <a:stCxn id="22" idx="3"/>
-          </p:cNvCxnSpPr>
-          <p:nvPr/>
-        </p:nvCxnSpPr>
+            <a:pPr marL="342900" indent="-342900">
+              <a:buAutoNum type="arabicPeriod"/>
+            </a:pPr>
+            <a:r>
+              <a:rPr lang="zh-TW" altLang="en-US" sz="1200" dirty="0">
+                <a:solidFill>
+                  <a:schemeClr val="tx1"/>
+                </a:solidFill>
+                <a:latin typeface="微軟正黑體" panose="020B0604030504040204" pitchFamily="34" charset="-120"/>
+                <a:ea typeface="微軟正黑體" panose="020B0604030504040204" pitchFamily="34" charset="-120"/>
+              </a:rPr>
+              <a:t>必須使用</a:t>
+            </a:r>
+            <a:r>
+              <a:rPr lang="en-US" altLang="zh-TW" sz="1200" dirty="0">
+                <a:solidFill>
+                  <a:schemeClr val="tx1"/>
+                </a:solidFill>
+                <a:latin typeface="微軟正黑體" panose="020B0604030504040204" pitchFamily="34" charset="-120"/>
+                <a:ea typeface="微軟正黑體" panose="020B0604030504040204" pitchFamily="34" charset="-120"/>
+              </a:rPr>
+              <a:t>select</a:t>
+            </a:r>
+            <a:r>
+              <a:rPr lang="zh-TW" altLang="en-US" sz="1200" dirty="0">
+                <a:solidFill>
+                  <a:schemeClr val="tx1"/>
+                </a:solidFill>
+                <a:latin typeface="微軟正黑體" panose="020B0604030504040204" pitchFamily="34" charset="-120"/>
+                <a:ea typeface="微軟正黑體" panose="020B0604030504040204" pitchFamily="34" charset="-120"/>
+              </a:rPr>
+              <a:t>以防有新連線時因為執行</a:t>
+            </a:r>
+            <a:r>
+              <a:rPr lang="en-US" altLang="zh-TW" sz="1200" dirty="0" err="1">
+                <a:solidFill>
+                  <a:schemeClr val="tx1"/>
+                </a:solidFill>
+                <a:latin typeface="微軟正黑體" panose="020B0604030504040204" pitchFamily="34" charset="-120"/>
+                <a:ea typeface="微軟正黑體" panose="020B0604030504040204" pitchFamily="34" charset="-120"/>
+              </a:rPr>
+              <a:t>detect_ball</a:t>
+            </a:r>
+            <a:r>
+              <a:rPr lang="zh-TW" altLang="en-US" sz="1200" dirty="0">
+                <a:solidFill>
+                  <a:schemeClr val="tx1"/>
+                </a:solidFill>
+                <a:latin typeface="微軟正黑體" panose="020B0604030504040204" pitchFamily="34" charset="-120"/>
+                <a:ea typeface="微軟正黑體" panose="020B0604030504040204" pitchFamily="34" charset="-120"/>
+              </a:rPr>
+              <a:t>而被</a:t>
+            </a:r>
+            <a:r>
+              <a:rPr lang="en-US" altLang="zh-TW" sz="1200" dirty="0">
+                <a:solidFill>
+                  <a:schemeClr val="tx1"/>
+                </a:solidFill>
+                <a:latin typeface="微軟正黑體" panose="020B0604030504040204" pitchFamily="34" charset="-120"/>
+                <a:ea typeface="微軟正黑體" panose="020B0604030504040204" pitchFamily="34" charset="-120"/>
+              </a:rPr>
+              <a:t>block</a:t>
+            </a:r>
+          </a:p>
+          <a:p>
+            <a:pPr marL="342900" indent="-342900">
+              <a:buAutoNum type="arabicPeriod"/>
+            </a:pPr>
+            <a:r>
+              <a:rPr lang="en-US" altLang="zh-TW" sz="1200" dirty="0">
+                <a:solidFill>
+                  <a:schemeClr val="tx1"/>
+                </a:solidFill>
+                <a:latin typeface="微軟正黑體" panose="020B0604030504040204" pitchFamily="34" charset="-120"/>
+                <a:ea typeface="微軟正黑體" panose="020B0604030504040204" pitchFamily="34" charset="-120"/>
+              </a:rPr>
+              <a:t>Timer</a:t>
+            </a:r>
+            <a:r>
+              <a:rPr lang="zh-TW" altLang="en-US" sz="1200" dirty="0">
+                <a:solidFill>
+                  <a:schemeClr val="tx1"/>
+                </a:solidFill>
+                <a:latin typeface="微軟正黑體" panose="020B0604030504040204" pitchFamily="34" charset="-120"/>
+                <a:ea typeface="微軟正黑體" panose="020B0604030504040204" pitchFamily="34" charset="-120"/>
+              </a:rPr>
+              <a:t>計時</a:t>
+            </a:r>
+            <a:endParaRPr lang="en-US" altLang="zh-TW" sz="1200" dirty="0">
+              <a:solidFill>
+                <a:schemeClr val="tx1"/>
+              </a:solidFill>
+              <a:latin typeface="微軟正黑體" panose="020B0604030504040204" pitchFamily="34" charset="-120"/>
+              <a:ea typeface="微軟正黑體" panose="020B0604030504040204" pitchFamily="34" charset="-120"/>
+            </a:endParaRPr>
+          </a:p>
+          <a:p>
+            <a:pPr marL="342900" indent="-342900">
+              <a:buAutoNum type="arabicPeriod"/>
+            </a:pPr>
+            <a:r>
+              <a:rPr lang="zh-TW" altLang="en-US" sz="1200" dirty="0">
+                <a:solidFill>
+                  <a:schemeClr val="tx1"/>
+                </a:solidFill>
+                <a:latin typeface="微軟正黑體" panose="020B0604030504040204" pitchFamily="34" charset="-120"/>
+                <a:ea typeface="微軟正黑體" panose="020B0604030504040204" pitchFamily="34" charset="-120"/>
+              </a:rPr>
+              <a:t>驅動對應硬體如七段顯示器、</a:t>
+            </a:r>
+            <a:r>
+              <a:rPr lang="en-US" altLang="zh-TW" sz="1200" dirty="0">
+                <a:solidFill>
+                  <a:schemeClr val="tx1"/>
+                </a:solidFill>
+                <a:latin typeface="微軟正黑體" panose="020B0604030504040204" pitchFamily="34" charset="-120"/>
+                <a:ea typeface="微軟正黑體" panose="020B0604030504040204" pitchFamily="34" charset="-120"/>
+              </a:rPr>
+              <a:t>LED</a:t>
+            </a:r>
+            <a:endParaRPr lang="zh-TW" altLang="en-US" sz="1200" dirty="0">
+              <a:solidFill>
+                <a:schemeClr val="tx1"/>
+              </a:solidFill>
+              <a:latin typeface="微軟正黑體" panose="020B0604030504040204" pitchFamily="34" charset="-120"/>
+              <a:ea typeface="微軟正黑體" panose="020B0604030504040204" pitchFamily="34" charset="-120"/>
+            </a:endParaRPr>
+          </a:p>
+        </p:txBody>
+      </p:sp>
+      <p:sp>
+        <p:nvSpPr>
+          <p:cNvPr id="27" name="文字方塊 26">
+            <a:extLst>
+              <a:ext uri="{FF2B5EF4-FFF2-40B4-BE49-F238E27FC236}">
+                <a16:creationId xmlns:a16="http://schemas.microsoft.com/office/drawing/2014/main" id="{EF5C3D0C-BA01-46AE-8779-59D90668340F}"/>
+              </a:ext>
+            </a:extLst>
+          </p:cNvPr>
+          <p:cNvSpPr txBox="1"/>
+          <p:nvPr/>
+        </p:nvSpPr>
         <p:spPr>
           <a:xfrm>
-            <a:off x="3961804" y="5208321"/>
-            <a:ext cx="3478523" cy="0"/>
-          </a:xfrm>
-          <a:prstGeom prst="line">
-            <a:avLst/>
-          </a:prstGeom>
-        </p:spPr>
-        <p:style>
-          <a:lnRef idx="2">
-            <a:schemeClr val="dk1"/>
-          </a:lnRef>
-          <a:fillRef idx="0">
-            <a:schemeClr val="dk1"/>
-          </a:fillRef>
-          <a:effectRef idx="1">
-            <a:schemeClr val="dk1"/>
-          </a:effectRef>
-          <a:fontRef idx="minor">
-            <a:schemeClr val="tx1"/>
-          </a:fontRef>
-        </p:style>
-      </p:cxnSp>
-      <p:sp>
-        <p:nvSpPr>
-          <p:cNvPr id="46" name="文字方塊 45">
-            <a:extLst>
-              <a:ext uri="{FF2B5EF4-FFF2-40B4-BE49-F238E27FC236}">
-                <a16:creationId xmlns:a16="http://schemas.microsoft.com/office/drawing/2014/main" id="{843011B8-630A-2948-56DD-6CD7FA0B5382}"/>
-              </a:ext>
-            </a:extLst>
-          </p:cNvPr>
-          <p:cNvSpPr txBox="1"/>
-          <p:nvPr/>
-        </p:nvSpPr>
-        <p:spPr>
-          <a:xfrm>
-            <a:off x="4742876" y="5260419"/>
-            <a:ext cx="2483433" cy="369332"/>
+            <a:off x="7571541" y="3042644"/>
+            <a:ext cx="2764970" cy="307777"/>
           </a:xfrm>
           <a:prstGeom prst="rect">
             <a:avLst/>
@@ -11000,178 +11323,111 @@
           <a:lstStyle/>
           <a:p>
             <a:r>
-              <a:rPr lang="en-US" altLang="zh-TW" dirty="0"/>
-              <a:t>Socket</a:t>
+              <a:rPr lang="en-US" altLang="zh-TW" sz="1400" dirty="0"/>
+              <a:t>fork child: handle client</a:t>
             </a:r>
-            <a:r>
-              <a:rPr lang="zh-TW" altLang="en-US" dirty="0"/>
-              <a:t> 傳輸得分資訊</a:t>
-            </a:r>
-          </a:p>
-        </p:txBody>
-      </p:sp>
-      <p:pic>
-        <p:nvPicPr>
-          <p:cNvPr id="49" name="圖片 48" descr="一張含有 網 的圖片&#10;&#10;自動產生的描述">
-            <a:extLst>
-              <a:ext uri="{FF2B5EF4-FFF2-40B4-BE49-F238E27FC236}">
-                <a16:creationId xmlns:a16="http://schemas.microsoft.com/office/drawing/2014/main" id="{BB5178CD-7E97-D255-0B76-C7B6C8FD0E44}"/>
-              </a:ext>
-            </a:extLst>
-          </p:cNvPr>
-          <p:cNvPicPr>
-            <a:picLocks noChangeAspect="1"/>
-          </p:cNvPicPr>
-          <p:nvPr/>
-        </p:nvPicPr>
-        <p:blipFill>
-          <a:blip r:embed="rId4">
-            <a:extLst>
-              <a:ext uri="{28A0092B-C50C-407E-A947-70E740481C1C}">
-                <a14:useLocalDpi xmlns:a14="http://schemas.microsoft.com/office/drawing/2010/main" val="0"/>
-              </a:ext>
-            </a:extLst>
-          </a:blip>
-          <a:stretch>
-            <a:fillRect/>
-          </a:stretch>
-        </p:blipFill>
+            <a:endParaRPr lang="zh-TW" altLang="en-US" sz="1400" dirty="0"/>
+          </a:p>
+        </p:txBody>
+      </p:sp>
+      <p:sp>
+        <p:nvSpPr>
+          <p:cNvPr id="33" name="文字方塊 32">
+            <a:extLst>
+              <a:ext uri="{FF2B5EF4-FFF2-40B4-BE49-F238E27FC236}">
+                <a16:creationId xmlns:a16="http://schemas.microsoft.com/office/drawing/2014/main" id="{1AEA1D68-3567-957A-4F86-969DCF3C736C}"/>
+              </a:ext>
+            </a:extLst>
+          </p:cNvPr>
+          <p:cNvSpPr txBox="1"/>
+          <p:nvPr/>
+        </p:nvSpPr>
         <p:spPr>
           <a:xfrm>
-            <a:off x="7246417" y="4909678"/>
-            <a:ext cx="2452478" cy="1634985"/>
+            <a:off x="7561963" y="4431854"/>
+            <a:ext cx="2774548" cy="307777"/>
           </a:xfrm>
           <a:prstGeom prst="rect">
             <a:avLst/>
           </a:prstGeom>
-        </p:spPr>
-      </p:pic>
-      <p:pic>
-        <p:nvPicPr>
-          <p:cNvPr id="54" name="圖片 53" descr="一張含有 文字, 電子產品 的圖片&#10;&#10;自動產生的描述">
-            <a:extLst>
-              <a:ext uri="{FF2B5EF4-FFF2-40B4-BE49-F238E27FC236}">
-                <a16:creationId xmlns:a16="http://schemas.microsoft.com/office/drawing/2014/main" id="{27BE110B-B299-143A-126C-54B35FF93BE9}"/>
-              </a:ext>
-            </a:extLst>
-          </p:cNvPr>
-          <p:cNvPicPr>
-            <a:picLocks noChangeAspect="1"/>
-          </p:cNvPicPr>
-          <p:nvPr/>
-        </p:nvPicPr>
-        <p:blipFill>
-          <a:blip r:embed="rId5">
-            <a:extLst>
-              <a:ext uri="{28A0092B-C50C-407E-A947-70E740481C1C}">
-                <a14:useLocalDpi xmlns:a14="http://schemas.microsoft.com/office/drawing/2010/main" val="0"/>
-              </a:ext>
-            </a:extLst>
-          </a:blip>
-          <a:stretch>
-            <a:fillRect/>
-          </a:stretch>
-        </p:blipFill>
+          <a:noFill/>
+        </p:spPr>
+        <p:txBody>
+          <a:bodyPr wrap="square">
+            <a:spAutoFit/>
+          </a:bodyPr>
+          <a:lstStyle/>
+          <a:p>
+            <a:r>
+              <a:rPr lang="en-US" altLang="zh-TW" sz="1400" dirty="0"/>
+              <a:t>parent</a:t>
+            </a:r>
+            <a:endParaRPr lang="zh-TW" altLang="en-US" sz="1400" dirty="0"/>
+          </a:p>
+        </p:txBody>
+      </p:sp>
+      <p:sp>
+        <p:nvSpPr>
+          <p:cNvPr id="48" name="矩形: 圓角 47">
+            <a:extLst>
+              <a:ext uri="{FF2B5EF4-FFF2-40B4-BE49-F238E27FC236}">
+                <a16:creationId xmlns:a16="http://schemas.microsoft.com/office/drawing/2014/main" id="{FD78A132-7178-86F4-298E-99698C69BE7F}"/>
+              </a:ext>
+            </a:extLst>
+          </p:cNvPr>
+          <p:cNvSpPr/>
+          <p:nvPr/>
+        </p:nvSpPr>
         <p:spPr>
           <a:xfrm>
-            <a:off x="9591906" y="4449876"/>
-            <a:ext cx="628984" cy="1108210"/>
-          </a:xfrm>
-          <a:prstGeom prst="rect">
+            <a:off x="10731785" y="3186273"/>
+            <a:ext cx="1111273" cy="2442525"/>
+          </a:xfrm>
+          <a:prstGeom prst="roundRect">
             <a:avLst/>
           </a:prstGeom>
-        </p:spPr>
-      </p:pic>
-      <p:cxnSp>
-        <p:nvCxnSpPr>
-          <p:cNvPr id="56" name="接點: 肘形 55">
-            <a:extLst>
-              <a:ext uri="{FF2B5EF4-FFF2-40B4-BE49-F238E27FC236}">
-                <a16:creationId xmlns:a16="http://schemas.microsoft.com/office/drawing/2014/main" id="{22290A47-B156-A951-5B5A-915163D0ED85}"/>
-              </a:ext>
-            </a:extLst>
-          </p:cNvPr>
-          <p:cNvCxnSpPr>
-            <a:cxnSpLocks/>
-          </p:cNvCxnSpPr>
-          <p:nvPr/>
-        </p:nvCxnSpPr>
-        <p:spPr>
-          <a:xfrm rot="16200000" flipH="1">
-            <a:off x="9501138" y="4092741"/>
-            <a:ext cx="444302" cy="423968"/>
-          </a:xfrm>
-          <a:prstGeom prst="bentConnector3">
-            <a:avLst>
-              <a:gd name="adj1" fmla="val 4506"/>
-            </a:avLst>
-          </a:prstGeom>
-          <a:ln>
-            <a:tailEnd type="triangle"/>
-          </a:ln>
-        </p:spPr>
-        <p:style>
-          <a:lnRef idx="2">
-            <a:schemeClr val="dk1"/>
-          </a:lnRef>
-          <a:fillRef idx="0">
-            <a:schemeClr val="dk1"/>
-          </a:fillRef>
-          <a:effectRef idx="1">
-            <a:schemeClr val="dk1"/>
-          </a:effectRef>
-          <a:fontRef idx="minor">
-            <a:schemeClr val="tx1"/>
-          </a:fontRef>
-        </p:style>
-      </p:cxnSp>
-      <p:cxnSp>
-        <p:nvCxnSpPr>
-          <p:cNvPr id="59" name="接點: 肘形 58">
-            <a:extLst>
-              <a:ext uri="{FF2B5EF4-FFF2-40B4-BE49-F238E27FC236}">
-                <a16:creationId xmlns:a16="http://schemas.microsoft.com/office/drawing/2014/main" id="{121B53E1-56A0-05BC-2B39-396688ED8298}"/>
-              </a:ext>
-            </a:extLst>
-          </p:cNvPr>
-          <p:cNvCxnSpPr>
-            <a:cxnSpLocks/>
-          </p:cNvCxnSpPr>
-          <p:nvPr/>
-        </p:nvCxnSpPr>
-        <p:spPr>
-          <a:xfrm rot="5400000">
-            <a:off x="9471605" y="5520135"/>
-            <a:ext cx="377595" cy="588246"/>
-          </a:xfrm>
-          <a:prstGeom prst="bentConnector2">
-            <a:avLst/>
-          </a:prstGeom>
-          <a:ln>
-            <a:tailEnd type="triangle"/>
-          </a:ln>
-        </p:spPr>
-        <p:style>
-          <a:lnRef idx="2">
-            <a:schemeClr val="dk1"/>
-          </a:lnRef>
-          <a:fillRef idx="0">
-            <a:schemeClr val="dk1"/>
-          </a:fillRef>
-          <a:effectRef idx="1">
-            <a:schemeClr val="dk1"/>
-          </a:effectRef>
-          <a:fontRef idx="minor">
-            <a:schemeClr val="tx1"/>
-          </a:fontRef>
-        </p:style>
-      </p:cxnSp>
-      <p:sp>
-        <p:nvSpPr>
-          <p:cNvPr id="60" name="文字方塊 59">
-            <a:extLst>
-              <a:ext uri="{FF2B5EF4-FFF2-40B4-BE49-F238E27FC236}">
-                <a16:creationId xmlns:a16="http://schemas.microsoft.com/office/drawing/2014/main" id="{14639312-08FA-FF1F-4C5E-1F44519C7EE7}"/>
+          <a:solidFill>
+            <a:schemeClr val="tx2">
+              <a:lumMod val="10000"/>
+              <a:lumOff val="90000"/>
+            </a:schemeClr>
+          </a:solidFill>
+        </p:spPr>
+        <p:style>
+          <a:lnRef idx="2">
+            <a:schemeClr val="accent1">
+              <a:shade val="15000"/>
+            </a:schemeClr>
+          </a:lnRef>
+          <a:fillRef idx="1">
+            <a:schemeClr val="accent1"/>
+          </a:fillRef>
+          <a:effectRef idx="0">
+            <a:schemeClr val="accent1"/>
+          </a:effectRef>
+          <a:fontRef idx="minor">
+            <a:schemeClr val="lt1"/>
+          </a:fontRef>
+        </p:style>
+        <p:txBody>
+          <a:bodyPr rtlCol="0" anchor="ctr"/>
+          <a:lstStyle/>
+          <a:p>
+            <a:pPr algn="ctr"/>
+            <a:endParaRPr lang="zh-TW" altLang="en-US" sz="1200" dirty="0">
+              <a:solidFill>
+                <a:schemeClr val="tx1"/>
+              </a:solidFill>
+            </a:endParaRPr>
+          </a:p>
+        </p:txBody>
+      </p:sp>
+      <p:sp>
+        <p:nvSpPr>
+          <p:cNvPr id="51" name="文字方塊 50">
+            <a:extLst>
+              <a:ext uri="{FF2B5EF4-FFF2-40B4-BE49-F238E27FC236}">
+                <a16:creationId xmlns:a16="http://schemas.microsoft.com/office/drawing/2014/main" id="{7CD5591E-AB63-CC40-3EBF-2F301D9A7C9F}"/>
               </a:ext>
             </a:extLst>
           </p:cNvPr>
@@ -11180,8 +11436,8 @@
         </p:nvSpPr>
         <p:spPr>
           <a:xfrm>
-            <a:off x="10215158" y="5384574"/>
-            <a:ext cx="1216917" cy="369332"/>
+            <a:off x="10809817" y="3333445"/>
+            <a:ext cx="920174" cy="646331"/>
           </a:xfrm>
           <a:prstGeom prst="rect">
             <a:avLst/>
@@ -11194,136 +11450,447 @@
           </a:bodyPr>
           <a:lstStyle/>
           <a:p>
+            <a:pPr algn="ctr"/>
             <a:r>
-              <a:rPr lang="zh-TW" altLang="en-US" dirty="0">
+              <a:rPr lang="en-US" altLang="zh-TW" sz="1200" dirty="0"/>
+              <a:t>Shared memory</a:t>
+            </a:r>
+            <a:endParaRPr lang="zh-TW" altLang="en-US" sz="1200" dirty="0"/>
+          </a:p>
+          <a:p>
+            <a:pPr algn="ctr"/>
+            <a:endParaRPr lang="zh-TW" altLang="en-US" sz="1200" dirty="0"/>
+          </a:p>
+        </p:txBody>
+      </p:sp>
+      <p:sp>
+        <p:nvSpPr>
+          <p:cNvPr id="52" name="矩形: 圓角 51">
+            <a:extLst>
+              <a:ext uri="{FF2B5EF4-FFF2-40B4-BE49-F238E27FC236}">
+                <a16:creationId xmlns:a16="http://schemas.microsoft.com/office/drawing/2014/main" id="{24F6CE0A-AA67-8EF3-DDCC-9BE0F362EAD6}"/>
+              </a:ext>
+            </a:extLst>
+          </p:cNvPr>
+          <p:cNvSpPr/>
+          <p:nvPr/>
+        </p:nvSpPr>
+        <p:spPr>
+          <a:xfrm>
+            <a:off x="10903518" y="4286075"/>
+            <a:ext cx="790856" cy="1149703"/>
+          </a:xfrm>
+          <a:prstGeom prst="roundRect">
+            <a:avLst/>
+          </a:prstGeom>
+          <a:solidFill>
+            <a:schemeClr val="tx2">
+              <a:lumMod val="25000"/>
+              <a:lumOff val="75000"/>
+            </a:schemeClr>
+          </a:solidFill>
+        </p:spPr>
+        <p:style>
+          <a:lnRef idx="2">
+            <a:schemeClr val="accent1">
+              <a:shade val="15000"/>
+            </a:schemeClr>
+          </a:lnRef>
+          <a:fillRef idx="1">
+            <a:schemeClr val="accent1"/>
+          </a:fillRef>
+          <a:effectRef idx="0">
+            <a:schemeClr val="accent1"/>
+          </a:effectRef>
+          <a:fontRef idx="minor">
+            <a:schemeClr val="lt1"/>
+          </a:fontRef>
+        </p:style>
+        <p:txBody>
+          <a:bodyPr rtlCol="0" anchor="ctr"/>
+          <a:lstStyle/>
+          <a:p>
+            <a:pPr algn="ctr"/>
+            <a:r>
+              <a:rPr lang="en-US" altLang="zh-TW" sz="1200" dirty="0">
+                <a:solidFill>
+                  <a:schemeClr val="tx1"/>
+                </a:solidFill>
+              </a:rPr>
+              <a:t>Link list</a:t>
+            </a:r>
+            <a:r>
+              <a:rPr lang="zh-TW" altLang="en-US" sz="1200" dirty="0">
+                <a:solidFill>
+                  <a:schemeClr val="tx1"/>
+                </a:solidFill>
+              </a:rPr>
+              <a:t>架構</a:t>
+            </a:r>
+          </a:p>
+        </p:txBody>
+      </p:sp>
+      <p:sp>
+        <p:nvSpPr>
+          <p:cNvPr id="53" name="矩形 52">
+            <a:extLst>
+              <a:ext uri="{FF2B5EF4-FFF2-40B4-BE49-F238E27FC236}">
+                <a16:creationId xmlns:a16="http://schemas.microsoft.com/office/drawing/2014/main" id="{560E6C26-8A7B-2935-B94E-845DD40F34EE}"/>
+              </a:ext>
+            </a:extLst>
+          </p:cNvPr>
+          <p:cNvSpPr/>
+          <p:nvPr/>
+        </p:nvSpPr>
+        <p:spPr>
+          <a:xfrm>
+            <a:off x="4838347" y="1950127"/>
+            <a:ext cx="1860834" cy="660490"/>
+          </a:xfrm>
+          <a:prstGeom prst="rect">
+            <a:avLst/>
+          </a:prstGeom>
+          <a:solidFill>
+            <a:schemeClr val="tx2">
+              <a:lumMod val="10000"/>
+              <a:lumOff val="90000"/>
+            </a:schemeClr>
+          </a:solidFill>
+        </p:spPr>
+        <p:style>
+          <a:lnRef idx="2">
+            <a:schemeClr val="accent1">
+              <a:shade val="15000"/>
+            </a:schemeClr>
+          </a:lnRef>
+          <a:fillRef idx="1">
+            <a:schemeClr val="accent1"/>
+          </a:fillRef>
+          <a:effectRef idx="0">
+            <a:schemeClr val="accent1"/>
+          </a:effectRef>
+          <a:fontRef idx="minor">
+            <a:schemeClr val="lt1"/>
+          </a:fontRef>
+        </p:style>
+        <p:txBody>
+          <a:bodyPr rtlCol="0" anchor="ctr"/>
+          <a:lstStyle/>
+          <a:p>
+            <a:pPr algn="ctr"/>
+            <a:endParaRPr lang="zh-TW" altLang="en-US" dirty="0"/>
+          </a:p>
+        </p:txBody>
+      </p:sp>
+      <p:sp>
+        <p:nvSpPr>
+          <p:cNvPr id="55" name="文字方塊 54">
+            <a:extLst>
+              <a:ext uri="{FF2B5EF4-FFF2-40B4-BE49-F238E27FC236}">
+                <a16:creationId xmlns:a16="http://schemas.microsoft.com/office/drawing/2014/main" id="{5CE44F27-1333-317F-17B4-4F371CF7C6AE}"/>
+              </a:ext>
+            </a:extLst>
+          </p:cNvPr>
+          <p:cNvSpPr txBox="1"/>
+          <p:nvPr/>
+        </p:nvSpPr>
+        <p:spPr>
+          <a:xfrm>
+            <a:off x="4668234" y="1641425"/>
+            <a:ext cx="986869" cy="307777"/>
+          </a:xfrm>
+          <a:prstGeom prst="rect">
+            <a:avLst/>
+          </a:prstGeom>
+          <a:noFill/>
+        </p:spPr>
+        <p:txBody>
+          <a:bodyPr wrap="square" rtlCol="0">
+            <a:spAutoFit/>
+          </a:bodyPr>
+          <a:lstStyle/>
+          <a:p>
+            <a:r>
+              <a:rPr lang="en-US" altLang="zh-TW" sz="1400" dirty="0"/>
+              <a:t>client</a:t>
+            </a:r>
+            <a:endParaRPr lang="zh-TW" altLang="en-US" sz="1400" dirty="0"/>
+          </a:p>
+        </p:txBody>
+      </p:sp>
+      <p:sp>
+        <p:nvSpPr>
+          <p:cNvPr id="57" name="文字方塊 56">
+            <a:extLst>
+              <a:ext uri="{FF2B5EF4-FFF2-40B4-BE49-F238E27FC236}">
+                <a16:creationId xmlns:a16="http://schemas.microsoft.com/office/drawing/2014/main" id="{DB4417D0-99D0-A0D0-F3F0-D57AB4837BD9}"/>
+              </a:ext>
+            </a:extLst>
+          </p:cNvPr>
+          <p:cNvSpPr txBox="1"/>
+          <p:nvPr/>
+        </p:nvSpPr>
+        <p:spPr>
+          <a:xfrm>
+            <a:off x="4777728" y="2036599"/>
+            <a:ext cx="2034167" cy="461665"/>
+          </a:xfrm>
+          <a:prstGeom prst="rect">
+            <a:avLst/>
+          </a:prstGeom>
+          <a:noFill/>
+        </p:spPr>
+        <p:txBody>
+          <a:bodyPr wrap="square" rtlCol="0">
+            <a:spAutoFit/>
+          </a:bodyPr>
+          <a:lstStyle/>
+          <a:p>
+            <a:pPr marL="342900" indent="-342900">
+              <a:buAutoNum type="arabicPeriod"/>
+            </a:pPr>
+            <a:r>
+              <a:rPr lang="en-US" altLang="zh-TW" sz="1200" dirty="0">
                 <a:latin typeface="微軟正黑體" panose="020B0604030504040204" pitchFamily="34" charset="-120"/>
                 <a:ea typeface="微軟正黑體" panose="020B0604030504040204" pitchFamily="34" charset="-120"/>
               </a:rPr>
-              <a:t>偵測球數</a:t>
+              <a:t>Start and login</a:t>
             </a:r>
           </a:p>
-        </p:txBody>
-      </p:sp>
-      <p:pic>
-        <p:nvPicPr>
-          <p:cNvPr id="61" name="圖片 60" descr="一張含有 文字, 電子產品 的圖片&#10;&#10;自動產生的描述">
-            <a:extLst>
-              <a:ext uri="{FF2B5EF4-FFF2-40B4-BE49-F238E27FC236}">
-                <a16:creationId xmlns:a16="http://schemas.microsoft.com/office/drawing/2014/main" id="{5C08FF8D-7B1F-CDE4-FA11-BA95109B9C16}"/>
-              </a:ext>
-            </a:extLst>
-          </p:cNvPr>
-          <p:cNvPicPr>
-            <a:picLocks noChangeAspect="1"/>
-          </p:cNvPicPr>
-          <p:nvPr/>
-        </p:nvPicPr>
-        <p:blipFill>
-          <a:blip r:embed="rId5">
-            <a:extLst>
-              <a:ext uri="{28A0092B-C50C-407E-A947-70E740481C1C}">
-                <a14:useLocalDpi xmlns:a14="http://schemas.microsoft.com/office/drawing/2010/main" val="0"/>
-              </a:ext>
-            </a:extLst>
-          </a:blip>
-          <a:stretch>
-            <a:fillRect/>
-          </a:stretch>
-        </p:blipFill>
+          <a:p>
+            <a:pPr marL="342900" indent="-342900">
+              <a:buAutoNum type="arabicPeriod"/>
+            </a:pPr>
+            <a:r>
+              <a:rPr lang="en-US" altLang="zh-TW" sz="1200" dirty="0">
+                <a:latin typeface="微軟正黑體" panose="020B0604030504040204" pitchFamily="34" charset="-120"/>
+                <a:ea typeface="微軟正黑體" panose="020B0604030504040204" pitchFamily="34" charset="-120"/>
+              </a:rPr>
+              <a:t>ranking board</a:t>
+            </a:r>
+            <a:endParaRPr lang="zh-TW" altLang="en-US" sz="1200" dirty="0">
+              <a:latin typeface="微軟正黑體" panose="020B0604030504040204" pitchFamily="34" charset="-120"/>
+              <a:ea typeface="微軟正黑體" panose="020B0604030504040204" pitchFamily="34" charset="-120"/>
+            </a:endParaRPr>
+          </a:p>
+        </p:txBody>
+      </p:sp>
+      <p:cxnSp>
+        <p:nvCxnSpPr>
+          <p:cNvPr id="64" name="接點: 肘形 63">
+            <a:extLst>
+              <a:ext uri="{FF2B5EF4-FFF2-40B4-BE49-F238E27FC236}">
+                <a16:creationId xmlns:a16="http://schemas.microsoft.com/office/drawing/2014/main" id="{5BF4E3FD-EFBA-CF4F-C51F-CF9209DE136D}"/>
+              </a:ext>
+            </a:extLst>
+          </p:cNvPr>
+          <p:cNvCxnSpPr>
+            <a:cxnSpLocks/>
+            <a:endCxn id="27" idx="1"/>
+          </p:cNvCxnSpPr>
+          <p:nvPr/>
+        </p:nvCxnSpPr>
         <p:spPr>
           <a:xfrm>
-            <a:off x="1474022" y="3299619"/>
-            <a:ext cx="628984" cy="1108210"/>
+            <a:off x="6361778" y="2180597"/>
+            <a:ext cx="1209763" cy="1015936"/>
+          </a:xfrm>
+          <a:prstGeom prst="bentConnector3">
+            <a:avLst/>
+          </a:prstGeom>
+          <a:ln>
+            <a:tailEnd type="triangle"/>
+          </a:ln>
+        </p:spPr>
+        <p:style>
+          <a:lnRef idx="2">
+            <a:schemeClr val="accent1"/>
+          </a:lnRef>
+          <a:fillRef idx="0">
+            <a:schemeClr val="accent1"/>
+          </a:fillRef>
+          <a:effectRef idx="1">
+            <a:schemeClr val="accent1"/>
+          </a:effectRef>
+          <a:fontRef idx="minor">
+            <a:schemeClr val="tx1"/>
+          </a:fontRef>
+        </p:style>
+      </p:cxnSp>
+      <p:sp>
+        <p:nvSpPr>
+          <p:cNvPr id="67" name="文字方塊 66">
+            <a:extLst>
+              <a:ext uri="{FF2B5EF4-FFF2-40B4-BE49-F238E27FC236}">
+                <a16:creationId xmlns:a16="http://schemas.microsoft.com/office/drawing/2014/main" id="{10A416BE-D602-083B-BDF6-A46415510F40}"/>
+              </a:ext>
+            </a:extLst>
+          </p:cNvPr>
+          <p:cNvSpPr txBox="1"/>
+          <p:nvPr/>
+        </p:nvSpPr>
+        <p:spPr>
+          <a:xfrm>
+            <a:off x="6945661" y="2250116"/>
+            <a:ext cx="414671" cy="830997"/>
           </a:xfrm>
           <a:prstGeom prst="rect">
             <a:avLst/>
           </a:prstGeom>
-        </p:spPr>
-      </p:pic>
-      <p:cxnSp>
-        <p:nvCxnSpPr>
-          <p:cNvPr id="65" name="接點: 肘形 64">
-            <a:extLst>
-              <a:ext uri="{FF2B5EF4-FFF2-40B4-BE49-F238E27FC236}">
-                <a16:creationId xmlns:a16="http://schemas.microsoft.com/office/drawing/2014/main" id="{622C4279-E879-C69F-6694-F9A498F01F3E}"/>
-              </a:ext>
-            </a:extLst>
-          </p:cNvPr>
-          <p:cNvCxnSpPr/>
-          <p:nvPr/>
-        </p:nvCxnSpPr>
-        <p:spPr>
-          <a:xfrm rot="16200000" flipV="1">
-            <a:off x="1659427" y="4631710"/>
-            <a:ext cx="738771" cy="462006"/>
-          </a:xfrm>
-          <a:prstGeom prst="bentConnector3">
-            <a:avLst>
-              <a:gd name="adj1" fmla="val -812"/>
-            </a:avLst>
-          </a:prstGeom>
-          <a:ln>
-            <a:tailEnd type="triangle"/>
-          </a:ln>
-        </p:spPr>
-        <p:style>
-          <a:lnRef idx="2">
-            <a:schemeClr val="dk1"/>
-          </a:lnRef>
-          <a:fillRef idx="0">
-            <a:schemeClr val="dk1"/>
-          </a:fillRef>
-          <a:effectRef idx="1">
-            <a:schemeClr val="dk1"/>
-          </a:effectRef>
-          <a:fontRef idx="minor">
-            <a:schemeClr val="tx1"/>
-          </a:fontRef>
-        </p:style>
-      </p:cxnSp>
-      <p:cxnSp>
-        <p:nvCxnSpPr>
-          <p:cNvPr id="68" name="接點: 肘形 67">
-            <a:extLst>
-              <a:ext uri="{FF2B5EF4-FFF2-40B4-BE49-F238E27FC236}">
-                <a16:creationId xmlns:a16="http://schemas.microsoft.com/office/drawing/2014/main" id="{B508FEA7-40F5-F75A-D5D9-C1731FB03A48}"/>
-              </a:ext>
-            </a:extLst>
-          </p:cNvPr>
-          <p:cNvCxnSpPr>
-            <a:stCxn id="61" idx="0"/>
-          </p:cNvCxnSpPr>
-          <p:nvPr/>
-        </p:nvCxnSpPr>
-        <p:spPr>
-          <a:xfrm rot="5400000" flipH="1" flipV="1">
-            <a:off x="1503121" y="2442612"/>
-            <a:ext cx="1142401" cy="571615"/>
-          </a:xfrm>
-          <a:prstGeom prst="bentConnector3">
-            <a:avLst>
-              <a:gd name="adj1" fmla="val 100553"/>
-            </a:avLst>
-          </a:prstGeom>
-          <a:ln>
-            <a:tailEnd type="triangle"/>
-          </a:ln>
-        </p:spPr>
-        <p:style>
-          <a:lnRef idx="2">
-            <a:schemeClr val="dk1"/>
-          </a:lnRef>
-          <a:fillRef idx="0">
-            <a:schemeClr val="dk1"/>
-          </a:fillRef>
-          <a:effectRef idx="1">
-            <a:schemeClr val="dk1"/>
-          </a:effectRef>
-          <a:fontRef idx="minor">
-            <a:schemeClr val="tx1"/>
-          </a:fontRef>
-        </p:style>
-      </p:cxnSp>
+          <a:noFill/>
+        </p:spPr>
+        <p:txBody>
+          <a:bodyPr wrap="square" rtlCol="0">
+            <a:spAutoFit/>
+          </a:bodyPr>
+          <a:lstStyle/>
+          <a:p>
+            <a:r>
+              <a:rPr lang="zh-TW" altLang="en-US" sz="1200" dirty="0">
+                <a:latin typeface="微軟正黑體" panose="020B0604030504040204" pitchFamily="34" charset="-120"/>
+                <a:ea typeface="微軟正黑體" panose="020B0604030504040204" pitchFamily="34" charset="-120"/>
+              </a:rPr>
+              <a:t>建立連線</a:t>
+            </a:r>
+          </a:p>
+        </p:txBody>
+      </p:sp>
+      <p:sp>
+        <p:nvSpPr>
+          <p:cNvPr id="69" name="矩形 68">
+            <a:extLst>
+              <a:ext uri="{FF2B5EF4-FFF2-40B4-BE49-F238E27FC236}">
+                <a16:creationId xmlns:a16="http://schemas.microsoft.com/office/drawing/2014/main" id="{F9828115-321F-38AD-7D5C-E8FD2463B448}"/>
+              </a:ext>
+            </a:extLst>
+          </p:cNvPr>
+          <p:cNvSpPr/>
+          <p:nvPr/>
+        </p:nvSpPr>
+        <p:spPr>
+          <a:xfrm>
+            <a:off x="2529736" y="3797294"/>
+            <a:ext cx="1734522" cy="989619"/>
+          </a:xfrm>
+          <a:prstGeom prst="rect">
+            <a:avLst/>
+          </a:prstGeom>
+          <a:solidFill>
+            <a:schemeClr val="tx2">
+              <a:lumMod val="10000"/>
+              <a:lumOff val="90000"/>
+            </a:schemeClr>
+          </a:solidFill>
+        </p:spPr>
+        <p:style>
+          <a:lnRef idx="2">
+            <a:schemeClr val="accent1">
+              <a:shade val="15000"/>
+            </a:schemeClr>
+          </a:lnRef>
+          <a:fillRef idx="1">
+            <a:schemeClr val="accent1"/>
+          </a:fillRef>
+          <a:effectRef idx="0">
+            <a:schemeClr val="accent1"/>
+          </a:effectRef>
+          <a:fontRef idx="minor">
+            <a:schemeClr val="lt1"/>
+          </a:fontRef>
+        </p:style>
+        <p:txBody>
+          <a:bodyPr rtlCol="0" anchor="ctr"/>
+          <a:lstStyle/>
+          <a:p>
+            <a:r>
+              <a:rPr lang="en-US" altLang="zh-TW" sz="1100" dirty="0">
+                <a:solidFill>
+                  <a:schemeClr val="tx1"/>
+                </a:solidFill>
+                <a:latin typeface="微軟正黑體" panose="020B0604030504040204" pitchFamily="34" charset="-120"/>
+                <a:ea typeface="微軟正黑體" panose="020B0604030504040204" pitchFamily="34" charset="-120"/>
+              </a:rPr>
+              <a:t>1.</a:t>
+            </a:r>
+            <a:r>
+              <a:rPr lang="zh-TW" altLang="en-US" sz="1100" dirty="0">
+                <a:solidFill>
+                  <a:schemeClr val="tx1"/>
+                </a:solidFill>
+                <a:latin typeface="微軟正黑體" panose="020B0604030504040204" pitchFamily="34" charset="-120"/>
+                <a:ea typeface="微軟正黑體" panose="020B0604030504040204" pitchFamily="34" charset="-120"/>
+              </a:rPr>
+              <a:t>可由多名玩家共同操控</a:t>
+            </a:r>
+            <a:endParaRPr lang="en-US" altLang="zh-TW" sz="1100" dirty="0">
+              <a:solidFill>
+                <a:schemeClr val="tx1"/>
+              </a:solidFill>
+              <a:latin typeface="微軟正黑體" panose="020B0604030504040204" pitchFamily="34" charset="-120"/>
+              <a:ea typeface="微軟正黑體" panose="020B0604030504040204" pitchFamily="34" charset="-120"/>
+            </a:endParaRPr>
+          </a:p>
+          <a:p>
+            <a:r>
+              <a:rPr lang="en-US" altLang="zh-TW" sz="1100" dirty="0">
+                <a:solidFill>
+                  <a:schemeClr val="tx1"/>
+                </a:solidFill>
+                <a:latin typeface="微軟正黑體" panose="020B0604030504040204" pitchFamily="34" charset="-120"/>
+                <a:ea typeface="微軟正黑體" panose="020B0604030504040204" pitchFamily="34" charset="-120"/>
+              </a:rPr>
+              <a:t>2. </a:t>
+            </a:r>
+            <a:r>
+              <a:rPr lang="zh-TW" altLang="en-US" sz="1100" dirty="0">
+                <a:solidFill>
+                  <a:schemeClr val="tx1"/>
+                </a:solidFill>
+                <a:latin typeface="微軟正黑體" panose="020B0604030504040204" pitchFamily="34" charset="-120"/>
+                <a:ea typeface="微軟正黑體" panose="020B0604030504040204" pitchFamily="34" charset="-120"/>
+              </a:rPr>
+              <a:t>玩家可以共同決定速度與方向但為了避免</a:t>
+            </a:r>
+            <a:r>
+              <a:rPr lang="en-US" altLang="zh-TW" sz="1100" dirty="0">
+                <a:solidFill>
+                  <a:schemeClr val="tx1"/>
+                </a:solidFill>
+                <a:latin typeface="微軟正黑體" panose="020B0604030504040204" pitchFamily="34" charset="-120"/>
+                <a:ea typeface="微軟正黑體" panose="020B0604030504040204" pitchFamily="34" charset="-120"/>
+              </a:rPr>
+              <a:t>race condition</a:t>
+            </a:r>
+            <a:r>
+              <a:rPr lang="zh-TW" altLang="en-US" sz="1100" dirty="0">
+                <a:solidFill>
+                  <a:schemeClr val="tx1"/>
+                </a:solidFill>
+                <a:latin typeface="微軟正黑體" panose="020B0604030504040204" pitchFamily="34" charset="-120"/>
+                <a:ea typeface="微軟正黑體" panose="020B0604030504040204" pitchFamily="34" charset="-120"/>
+              </a:rPr>
+              <a:t>，需要使用</a:t>
+            </a:r>
+            <a:r>
+              <a:rPr lang="en-US" altLang="zh-TW" sz="1100" dirty="0">
+                <a:solidFill>
+                  <a:schemeClr val="tx1"/>
+                </a:solidFill>
+                <a:latin typeface="微軟正黑體" panose="020B0604030504040204" pitchFamily="34" charset="-120"/>
+                <a:ea typeface="微軟正黑體" panose="020B0604030504040204" pitchFamily="34" charset="-120"/>
+              </a:rPr>
+              <a:t>semaphore</a:t>
+            </a:r>
+            <a:endParaRPr lang="zh-TW" altLang="en-US" sz="1100" dirty="0">
+              <a:solidFill>
+                <a:schemeClr val="tx1"/>
+              </a:solidFill>
+              <a:latin typeface="微軟正黑體" panose="020B0604030504040204" pitchFamily="34" charset="-120"/>
+              <a:ea typeface="微軟正黑體" panose="020B0604030504040204" pitchFamily="34" charset="-120"/>
+            </a:endParaRPr>
+          </a:p>
+        </p:txBody>
+      </p:sp>
     </p:spTree>
     <p:extLst>
       <p:ext uri="{BB962C8B-B14F-4D97-AF65-F5344CB8AC3E}">
@@ -12982,7 +13549,7 @@
         </p:nvSpPr>
         <p:spPr>
           <a:xfrm rot="2700000">
-            <a:off x="-2701551" y="3438917"/>
+            <a:off x="-3157762" y="3850626"/>
             <a:ext cx="4186559" cy="4186559"/>
           </a:xfrm>
           <a:prstGeom prst="roundRect">
@@ -13037,7 +13604,7 @@
         </p:nvSpPr>
         <p:spPr>
           <a:xfrm rot="18900000">
-            <a:off x="599859" y="6628023"/>
+            <a:off x="350059" y="6767890"/>
             <a:ext cx="2009627" cy="180220"/>
           </a:xfrm>
           <a:prstGeom prst="roundRect">
@@ -13201,8 +13768,8 @@
         </p:nvSpPr>
         <p:spPr>
           <a:xfrm>
-            <a:off x="2199348" y="1842745"/>
-            <a:ext cx="7641849" cy="4247317"/>
+            <a:off x="2031326" y="1730023"/>
+            <a:ext cx="3156423" cy="6370975"/>
           </a:xfrm>
           <a:prstGeom prst="rect">
             <a:avLst/>
@@ -13216,28 +13783,25 @@
           <a:lstStyle/>
           <a:p>
             <a:pPr marL="285750" indent="-285750">
-              <a:lnSpc>
-                <a:spcPct val="150000"/>
-              </a:lnSpc>
               <a:buFont typeface="Arial" panose="020B0604020202020204" pitchFamily="34" charset="0"/>
               <a:buChar char="•"/>
             </a:pPr>
             <a:r>
-              <a:rPr lang="en-US" altLang="zh-TW" sz="2000" dirty="0">
+              <a:rPr lang="en-US" altLang="zh-TW" sz="1200" dirty="0">
                 <a:latin typeface="微軟正黑體" panose="020B0604030504040204" pitchFamily="34" charset="-120"/>
                 <a:ea typeface="微軟正黑體" panose="020B0604030504040204" pitchFamily="34" charset="-120"/>
               </a:rPr>
               <a:t>I/O</a:t>
             </a:r>
             <a:r>
-              <a:rPr lang="zh-TW" altLang="en-US" sz="2000" dirty="0">
+              <a:rPr lang="zh-TW" altLang="en-US" sz="1200" dirty="0">
                 <a:latin typeface="微軟正黑體" panose="020B0604030504040204" pitchFamily="34" charset="-120"/>
                 <a:ea typeface="微軟正黑體" panose="020B0604030504040204" pitchFamily="34" charset="-120"/>
               </a:rPr>
               <a:t> </a:t>
             </a:r>
             <a:r>
-              <a:rPr lang="en-US" altLang="zh-TW" sz="2000" dirty="0">
+              <a:rPr lang="en-US" altLang="zh-TW" sz="1200" dirty="0">
                 <a:latin typeface="微軟正黑體" panose="020B0604030504040204" pitchFamily="34" charset="-120"/>
                 <a:ea typeface="微軟正黑體" panose="020B0604030504040204" pitchFamily="34" charset="-120"/>
               </a:rPr>
@@ -13246,28 +13810,25 @@
           </a:p>
           <a:p>
             <a:pPr marL="742950" lvl="1" indent="-285750">
-              <a:lnSpc>
-                <a:spcPct val="150000"/>
-              </a:lnSpc>
               <a:buFont typeface="Arial" panose="020B0604020202020204" pitchFamily="34" charset="0"/>
               <a:buChar char="•"/>
             </a:pPr>
             <a:r>
-              <a:rPr lang="en-US" altLang="zh-TW" sz="2000" dirty="0">
+              <a:rPr lang="en-US" altLang="zh-TW" sz="1200" dirty="0">
                 <a:latin typeface="微軟正黑體" panose="020B0604030504040204" pitchFamily="34" charset="-120"/>
                 <a:ea typeface="微軟正黑體" panose="020B0604030504040204" pitchFamily="34" charset="-120"/>
               </a:rPr>
               <a:t>LED</a:t>
             </a:r>
             <a:r>
-              <a:rPr lang="zh-TW" altLang="en-US" sz="2000" dirty="0">
+              <a:rPr lang="zh-TW" altLang="en-US" sz="1200" dirty="0">
                 <a:latin typeface="微軟正黑體" panose="020B0604030504040204" pitchFamily="34" charset="-120"/>
                 <a:ea typeface="微軟正黑體" panose="020B0604030504040204" pitchFamily="34" charset="-120"/>
               </a:rPr>
               <a:t>、</a:t>
             </a:r>
             <a:r>
-              <a:rPr lang="en-US" altLang="zh-TW" sz="2000" dirty="0">
+              <a:rPr lang="en-US" altLang="zh-TW" sz="1200" dirty="0">
                 <a:latin typeface="微軟正黑體" panose="020B0604030504040204" pitchFamily="34" charset="-120"/>
                 <a:ea typeface="微軟正黑體" panose="020B0604030504040204" pitchFamily="34" charset="-120"/>
               </a:rPr>
@@ -13276,14 +13837,11 @@
           </a:p>
           <a:p>
             <a:pPr marL="285750" indent="-285750">
-              <a:lnSpc>
-                <a:spcPct val="150000"/>
-              </a:lnSpc>
               <a:buFont typeface="Arial" panose="020B0604020202020204" pitchFamily="34" charset="0"/>
               <a:buChar char="•"/>
             </a:pPr>
             <a:r>
-              <a:rPr lang="en-US" altLang="zh-TW" sz="2000" dirty="0">
+              <a:rPr lang="en-US" altLang="zh-TW" sz="1200" dirty="0">
                 <a:latin typeface="微軟正黑體" panose="020B0604030504040204" pitchFamily="34" charset="-120"/>
                 <a:ea typeface="微軟正黑體" panose="020B0604030504040204" pitchFamily="34" charset="-120"/>
               </a:rPr>
@@ -13292,68 +13850,52 @@
           </a:p>
           <a:p>
             <a:pPr marL="742950" lvl="1" indent="-285750">
-              <a:lnSpc>
-                <a:spcPct val="150000"/>
-              </a:lnSpc>
               <a:buFont typeface="Arial" panose="020B0604020202020204" pitchFamily="34" charset="0"/>
               <a:buChar char="•"/>
             </a:pPr>
             <a:r>
-              <a:rPr lang="zh-TW" altLang="en-US" sz="2000" dirty="0">
+              <a:rPr lang="zh-TW" altLang="en-US" sz="1200" dirty="0">
                 <a:latin typeface="微軟正黑體" panose="020B0604030504040204" pitchFamily="34" charset="-120"/>
                 <a:ea typeface="微軟正黑體" panose="020B0604030504040204" pitchFamily="34" charset="-120"/>
               </a:rPr>
-              <a:t>同時控制不同</a:t>
+              <a:t>同時控制不同驅動程式</a:t>
             </a:r>
-            <a:r>
-              <a:rPr lang="en-US" altLang="zh-TW" sz="2000" dirty="0">
-                <a:latin typeface="微軟正黑體" panose="020B0604030504040204" pitchFamily="34" charset="-120"/>
-                <a:ea typeface="微軟正黑體" panose="020B0604030504040204" pitchFamily="34" charset="-120"/>
-              </a:rPr>
-              <a:t>driver</a:t>
-            </a:r>
-            <a:r>
-              <a:rPr lang="zh-TW" altLang="en-US" sz="2000" dirty="0">
-                <a:latin typeface="微軟正黑體" panose="020B0604030504040204" pitchFamily="34" charset="-120"/>
-                <a:ea typeface="微軟正黑體" panose="020B0604030504040204" pitchFamily="34" charset="-120"/>
-              </a:rPr>
-              <a:t>等等</a:t>
-            </a:r>
-            <a:endParaRPr lang="en-US" altLang="zh-TW" sz="2000" dirty="0">
+            <a:endParaRPr lang="en-US" altLang="zh-TW" sz="1200" dirty="0">
               <a:latin typeface="微軟正黑體" panose="020B0604030504040204" pitchFamily="34" charset="-120"/>
               <a:ea typeface="微軟正黑體" panose="020B0604030504040204" pitchFamily="34" charset="-120"/>
             </a:endParaRPr>
           </a:p>
           <a:p>
             <a:pPr marL="742950" lvl="1" indent="-285750">
-              <a:lnSpc>
-                <a:spcPct val="150000"/>
-              </a:lnSpc>
               <a:buFont typeface="Arial" panose="020B0604020202020204" pitchFamily="34" charset="0"/>
               <a:buChar char="•"/>
             </a:pPr>
             <a:r>
-              <a:rPr lang="en-US" altLang="zh-TW" sz="2000">
+              <a:rPr lang="en-US" altLang="zh-TW" sz="1200" dirty="0">
                 <a:latin typeface="微軟正黑體" panose="020B0604030504040204" pitchFamily="34" charset="-120"/>
                 <a:ea typeface="微軟正黑體" panose="020B0604030504040204" pitchFamily="34" charset="-120"/>
               </a:rPr>
               <a:t>Socket server</a:t>
             </a:r>
-            <a:endParaRPr lang="en-US" altLang="zh-TW" sz="2000" dirty="0">
+            <a:r>
+              <a:rPr lang="zh-TW" altLang="en-US" sz="1200" dirty="0">
+                <a:latin typeface="微軟正黑體" panose="020B0604030504040204" pitchFamily="34" charset="-120"/>
+                <a:ea typeface="微軟正黑體" panose="020B0604030504040204" pitchFamily="34" charset="-120"/>
+              </a:rPr>
+              <a:t>用於處理不同連線</a:t>
+            </a:r>
+            <a:endParaRPr lang="en-US" altLang="zh-TW" sz="1200" dirty="0">
               <a:latin typeface="微軟正黑體" panose="020B0604030504040204" pitchFamily="34" charset="-120"/>
               <a:ea typeface="微軟正黑體" panose="020B0604030504040204" pitchFamily="34" charset="-120"/>
             </a:endParaRPr>
           </a:p>
           <a:p>
             <a:pPr marL="285750" indent="-285750">
-              <a:lnSpc>
-                <a:spcPct val="150000"/>
-              </a:lnSpc>
               <a:buFont typeface="Arial" panose="020B0604020202020204" pitchFamily="34" charset="0"/>
               <a:buChar char="•"/>
             </a:pPr>
             <a:r>
-              <a:rPr lang="en-US" altLang="zh-TW" sz="2000" dirty="0">
+              <a:rPr lang="en-US" altLang="zh-TW" sz="1200" dirty="0">
                 <a:latin typeface="微軟正黑體" panose="020B0604030504040204" pitchFamily="34" charset="-120"/>
                 <a:ea typeface="微軟正黑體" panose="020B0604030504040204" pitchFamily="34" charset="-120"/>
               </a:rPr>
@@ -13362,20 +13904,38 @@
           </a:p>
           <a:p>
             <a:pPr marL="742950" lvl="1" indent="-285750">
-              <a:lnSpc>
-                <a:spcPct val="150000"/>
-              </a:lnSpc>
               <a:buFont typeface="Arial" panose="020B0604020202020204" pitchFamily="34" charset="0"/>
               <a:buChar char="•"/>
             </a:pPr>
             <a:r>
-              <a:rPr lang="zh-TW" altLang="en-US" sz="2000" dirty="0">
+              <a:rPr lang="en-US" altLang="zh-TW" sz="1200" dirty="0">
                 <a:latin typeface="微軟正黑體" panose="020B0604030504040204" pitchFamily="34" charset="-120"/>
                 <a:ea typeface="微軟正黑體" panose="020B0604030504040204" pitchFamily="34" charset="-120"/>
               </a:rPr>
-              <a:t>球門及車輛通訊</a:t>
+              <a:t>server</a:t>
             </a:r>
-            <a:endParaRPr lang="en-US" altLang="zh-TW" sz="2000" dirty="0">
+            <a:r>
+              <a:rPr lang="zh-TW" altLang="en-US" sz="1200" dirty="0">
+                <a:latin typeface="微軟正黑體" panose="020B0604030504040204" pitchFamily="34" charset="-120"/>
+                <a:ea typeface="微軟正黑體" panose="020B0604030504040204" pitchFamily="34" charset="-120"/>
+              </a:rPr>
+              <a:t>與</a:t>
+            </a:r>
+            <a:r>
+              <a:rPr lang="en-US" altLang="zh-TW" sz="1200" dirty="0">
+                <a:latin typeface="微軟正黑體" panose="020B0604030504040204" pitchFamily="34" charset="-120"/>
+                <a:ea typeface="微軟正黑體" panose="020B0604030504040204" pitchFamily="34" charset="-120"/>
+              </a:rPr>
+              <a:t>client</a:t>
+            </a:r>
+            <a:r>
+              <a:rPr lang="zh-TW" altLang="en-US" sz="1200" dirty="0">
+                <a:latin typeface="微軟正黑體" panose="020B0604030504040204" pitchFamily="34" charset="-120"/>
+                <a:ea typeface="微軟正黑體" panose="020B0604030504040204" pitchFamily="34" charset="-120"/>
+              </a:rPr>
+              <a:t>資料傳輸如排行榜、遊戲資料寫入等</a:t>
+            </a:r>
+            <a:endParaRPr lang="en-US" altLang="zh-TW" sz="1200" dirty="0">
               <a:latin typeface="微軟正黑體" panose="020B0604030504040204" pitchFamily="34" charset="-120"/>
               <a:ea typeface="微軟正黑體" panose="020B0604030504040204" pitchFamily="34" charset="-120"/>
             </a:endParaRPr>
@@ -13385,33 +13945,399 @@
               <a:buFont typeface="Arial" panose="020B0604020202020204" pitchFamily="34" charset="0"/>
               <a:buChar char="•"/>
             </a:pPr>
-            <a:endParaRPr lang="en-US" altLang="zh-TW" sz="2000" dirty="0">
-              <a:latin typeface="微軟正黑體" panose="020B0604030504040204" pitchFamily="34" charset="-120"/>
-              <a:ea typeface="微軟正黑體" panose="020B0604030504040204" pitchFamily="34" charset="-120"/>
-            </a:endParaRPr>
+            <a:r>
+              <a:rPr lang="en-US" altLang="zh-TW" sz="1200" dirty="0">
+                <a:latin typeface="微軟正黑體" panose="020B0604030504040204" pitchFamily="34" charset="-120"/>
+                <a:ea typeface="微軟正黑體" panose="020B0604030504040204" pitchFamily="34" charset="-120"/>
+              </a:rPr>
+              <a:t>Shared Memory</a:t>
+            </a:r>
           </a:p>
           <a:p>
             <a:pPr marL="742950" lvl="1" indent="-285750">
               <a:buFont typeface="Arial" panose="020B0604020202020204" pitchFamily="34" charset="0"/>
               <a:buChar char="•"/>
             </a:pPr>
-            <a:endParaRPr lang="en-US" altLang="zh-TW" sz="2000" dirty="0">
+            <a:r>
+              <a:rPr lang="zh-TW" altLang="en-US" sz="1200" dirty="0">
+                <a:latin typeface="微軟正黑體" panose="020B0604030504040204" pitchFamily="34" charset="-120"/>
+                <a:ea typeface="微軟正黑體" panose="020B0604030504040204" pitchFamily="34" charset="-120"/>
+              </a:rPr>
+              <a:t>排行榜的保存、使新來的</a:t>
+            </a:r>
+            <a:r>
+              <a:rPr lang="en-US" altLang="zh-TW" sz="1200" dirty="0">
+                <a:latin typeface="微軟正黑體" panose="020B0604030504040204" pitchFamily="34" charset="-120"/>
+                <a:ea typeface="微軟正黑體" panose="020B0604030504040204" pitchFamily="34" charset="-120"/>
+              </a:rPr>
+              <a:t>client</a:t>
+            </a:r>
+            <a:r>
+              <a:rPr lang="zh-TW" altLang="en-US" sz="1200" dirty="0">
+                <a:latin typeface="微軟正黑體" panose="020B0604030504040204" pitchFamily="34" charset="-120"/>
+                <a:ea typeface="微軟正黑體" panose="020B0604030504040204" pitchFamily="34" charset="-120"/>
+              </a:rPr>
+              <a:t>連線也可以存取排行榜</a:t>
+            </a:r>
+            <a:endParaRPr lang="en-US" altLang="zh-TW" sz="1200" dirty="0">
               <a:latin typeface="微軟正黑體" panose="020B0604030504040204" pitchFamily="34" charset="-120"/>
               <a:ea typeface="微軟正黑體" panose="020B0604030504040204" pitchFamily="34" charset="-120"/>
             </a:endParaRPr>
+          </a:p>
+          <a:p>
+            <a:pPr marL="285750" indent="-285750">
+              <a:buFont typeface="Arial" panose="020B0604020202020204" pitchFamily="34" charset="0"/>
+              <a:buChar char="•"/>
+            </a:pPr>
+            <a:r>
+              <a:rPr lang="en-US" altLang="zh-TW" sz="1200" dirty="0" err="1">
+                <a:latin typeface="微軟正黑體" panose="020B0604030504040204" pitchFamily="34" charset="-120"/>
+                <a:ea typeface="微軟正黑體" panose="020B0604030504040204" pitchFamily="34" charset="-120"/>
+              </a:rPr>
+              <a:t>Pipe:select</a:t>
+            </a:r>
+            <a:r>
+              <a:rPr lang="en-US" altLang="zh-TW" sz="1200" dirty="0">
+                <a:latin typeface="微軟正黑體" panose="020B0604030504040204" pitchFamily="34" charset="-120"/>
+                <a:ea typeface="微軟正黑體" panose="020B0604030504040204" pitchFamily="34" charset="-120"/>
+              </a:rPr>
+              <a:t>()</a:t>
+            </a:r>
           </a:p>
           <a:p>
             <a:pPr marL="742950" lvl="1" indent="-285750">
               <a:buFont typeface="Arial" panose="020B0604020202020204" pitchFamily="34" charset="0"/>
               <a:buChar char="•"/>
             </a:pPr>
-            <a:endParaRPr lang="zh-TW" altLang="en-US" sz="2000" dirty="0">
+            <a:r>
+              <a:rPr lang="zh-TW" altLang="en-US" sz="1200" dirty="0">
+                <a:latin typeface="微軟正黑體" panose="020B0604030504040204" pitchFamily="34" charset="-120"/>
+                <a:ea typeface="微軟正黑體" panose="020B0604030504040204" pitchFamily="34" charset="-120"/>
+              </a:rPr>
+              <a:t>為避免</a:t>
+            </a:r>
+            <a:r>
+              <a:rPr lang="en-US" altLang="zh-TW" sz="1200" dirty="0">
+                <a:latin typeface="微軟正黑體" panose="020B0604030504040204" pitchFamily="34" charset="-120"/>
+                <a:ea typeface="微軟正黑體" panose="020B0604030504040204" pitchFamily="34" charset="-120"/>
+              </a:rPr>
+              <a:t>server</a:t>
+            </a:r>
+            <a:r>
+              <a:rPr lang="zh-TW" altLang="en-US" sz="1200" dirty="0">
+                <a:latin typeface="微軟正黑體" panose="020B0604030504040204" pitchFamily="34" charset="-120"/>
+                <a:ea typeface="微軟正黑體" panose="020B0604030504040204" pitchFamily="34" charset="-120"/>
+              </a:rPr>
+              <a:t>中的</a:t>
+            </a:r>
+            <a:r>
+              <a:rPr lang="en-US" altLang="zh-TW" sz="1200" dirty="0">
+                <a:latin typeface="微軟正黑體" panose="020B0604030504040204" pitchFamily="34" charset="-120"/>
+                <a:ea typeface="微軟正黑體" panose="020B0604030504040204" pitchFamily="34" charset="-120"/>
+              </a:rPr>
+              <a:t>parent process</a:t>
+            </a:r>
+            <a:r>
+              <a:rPr lang="zh-TW" altLang="en-US" sz="1200" dirty="0">
+                <a:latin typeface="微軟正黑體" panose="020B0604030504040204" pitchFamily="34" charset="-120"/>
+                <a:ea typeface="微軟正黑體" panose="020B0604030504040204" pitchFamily="34" charset="-120"/>
+              </a:rPr>
+              <a:t>執行偵測球的程式而阻塞新連線，使用</a:t>
+            </a:r>
+            <a:r>
+              <a:rPr lang="en-US" altLang="zh-TW" sz="1200" dirty="0">
+                <a:latin typeface="微軟正黑體" panose="020B0604030504040204" pitchFamily="34" charset="-120"/>
+                <a:ea typeface="微軟正黑體" panose="020B0604030504040204" pitchFamily="34" charset="-120"/>
+              </a:rPr>
+              <a:t>select</a:t>
+            </a:r>
+          </a:p>
+          <a:p>
+            <a:pPr marL="285750" indent="-285750">
+              <a:buFont typeface="Arial" panose="020B0604020202020204" pitchFamily="34" charset="0"/>
+              <a:buChar char="•"/>
+            </a:pPr>
+            <a:r>
+              <a:rPr lang="en-US" altLang="zh-TW" sz="1200" dirty="0">
+                <a:latin typeface="微軟正黑體" panose="020B0604030504040204" pitchFamily="34" charset="-120"/>
+                <a:ea typeface="微軟正黑體" panose="020B0604030504040204" pitchFamily="34" charset="-120"/>
+              </a:rPr>
+              <a:t>Signal</a:t>
+            </a:r>
+          </a:p>
+          <a:p>
+            <a:pPr marL="742950" lvl="1" indent="-285750">
+              <a:buFont typeface="Arial" panose="020B0604020202020204" pitchFamily="34" charset="0"/>
+              <a:buChar char="•"/>
+            </a:pPr>
+            <a:r>
+              <a:rPr lang="zh-TW" altLang="en-US" sz="1200" dirty="0">
+                <a:latin typeface="微軟正黑體" panose="020B0604030504040204" pitchFamily="34" charset="-120"/>
+                <a:ea typeface="微軟正黑體" panose="020B0604030504040204" pitchFamily="34" charset="-120"/>
+              </a:rPr>
+              <a:t>遊戲結束後設定對應</a:t>
+            </a:r>
+            <a:r>
+              <a:rPr lang="en-US" altLang="zh-TW" sz="1200" dirty="0">
+                <a:latin typeface="微軟正黑體" panose="020B0604030504040204" pitchFamily="34" charset="-120"/>
+                <a:ea typeface="微軟正黑體" panose="020B0604030504040204" pitchFamily="34" charset="-120"/>
+              </a:rPr>
+              <a:t>handler function</a:t>
+            </a:r>
+            <a:r>
+              <a:rPr lang="zh-TW" altLang="en-US" sz="1200" dirty="0">
+                <a:latin typeface="微軟正黑體" panose="020B0604030504040204" pitchFamily="34" charset="-120"/>
+                <a:ea typeface="微軟正黑體" panose="020B0604030504040204" pitchFamily="34" charset="-120"/>
+              </a:rPr>
+              <a:t>釋放資源</a:t>
+            </a:r>
+            <a:endParaRPr lang="en-US" altLang="zh-TW" sz="1200" dirty="0">
               <a:latin typeface="微軟正黑體" panose="020B0604030504040204" pitchFamily="34" charset="-120"/>
               <a:ea typeface="微軟正黑體" panose="020B0604030504040204" pitchFamily="34" charset="-120"/>
             </a:endParaRPr>
           </a:p>
-        </p:txBody>
-      </p:sp>
+          <a:p>
+            <a:pPr marL="285750" indent="-285750">
+              <a:buFont typeface="Arial" panose="020B0604020202020204" pitchFamily="34" charset="0"/>
+              <a:buChar char="•"/>
+            </a:pPr>
+            <a:r>
+              <a:rPr lang="en-US" altLang="zh-TW" sz="1200" dirty="0">
+                <a:latin typeface="微軟正黑體" panose="020B0604030504040204" pitchFamily="34" charset="-120"/>
+                <a:ea typeface="微軟正黑體" panose="020B0604030504040204" pitchFamily="34" charset="-120"/>
+              </a:rPr>
+              <a:t>Semaphore</a:t>
+            </a:r>
+          </a:p>
+          <a:p>
+            <a:pPr marL="742950" lvl="1" indent="-285750">
+              <a:buFont typeface="Arial" panose="020B0604020202020204" pitchFamily="34" charset="0"/>
+              <a:buChar char="•"/>
+            </a:pPr>
+            <a:r>
+              <a:rPr lang="zh-TW" altLang="en-US" sz="1200" dirty="0">
+                <a:latin typeface="微軟正黑體" panose="020B0604030504040204" pitchFamily="34" charset="-120"/>
+                <a:ea typeface="微軟正黑體" panose="020B0604030504040204" pitchFamily="34" charset="-120"/>
+              </a:rPr>
+              <a:t>為防止多名玩家共同操作自走車而發生</a:t>
+            </a:r>
+            <a:r>
+              <a:rPr lang="en-US" altLang="zh-TW" sz="1200" dirty="0">
+                <a:latin typeface="微軟正黑體" panose="020B0604030504040204" pitchFamily="34" charset="-120"/>
+                <a:ea typeface="微軟正黑體" panose="020B0604030504040204" pitchFamily="34" charset="-120"/>
+              </a:rPr>
+              <a:t>race condition</a:t>
+            </a:r>
+          </a:p>
+          <a:p>
+            <a:pPr marL="285750" indent="-285750">
+              <a:buFont typeface="Arial" panose="020B0604020202020204" pitchFamily="34" charset="0"/>
+              <a:buChar char="•"/>
+            </a:pPr>
+            <a:r>
+              <a:rPr lang="en-US" altLang="zh-TW" sz="1200" dirty="0">
+                <a:latin typeface="微軟正黑體" panose="020B0604030504040204" pitchFamily="34" charset="-120"/>
+                <a:ea typeface="微軟正黑體" panose="020B0604030504040204" pitchFamily="34" charset="-120"/>
+              </a:rPr>
+              <a:t>Timer</a:t>
+            </a:r>
+          </a:p>
+          <a:p>
+            <a:pPr marL="742950" lvl="1" indent="-285750">
+              <a:buFont typeface="Arial" panose="020B0604020202020204" pitchFamily="34" charset="0"/>
+              <a:buChar char="•"/>
+            </a:pPr>
+            <a:r>
+              <a:rPr lang="zh-TW" altLang="en-US" sz="1200" dirty="0">
+                <a:latin typeface="微軟正黑體" panose="020B0604030504040204" pitchFamily="34" charset="-120"/>
+                <a:ea typeface="微軟正黑體" panose="020B0604030504040204" pitchFamily="34" charset="-120"/>
+              </a:rPr>
+              <a:t>用於遊戲的倒數計時</a:t>
+            </a:r>
+            <a:endParaRPr lang="en-US" altLang="zh-TW" sz="1200" dirty="0">
+              <a:latin typeface="微軟正黑體" panose="020B0604030504040204" pitchFamily="34" charset="-120"/>
+              <a:ea typeface="微軟正黑體" panose="020B0604030504040204" pitchFamily="34" charset="-120"/>
+            </a:endParaRPr>
+          </a:p>
+          <a:p>
+            <a:pPr marL="285750" indent="-285750">
+              <a:buFont typeface="Arial" panose="020B0604020202020204" pitchFamily="34" charset="0"/>
+              <a:buChar char="•"/>
+            </a:pPr>
+            <a:r>
+              <a:rPr lang="zh-TW" altLang="en-US" sz="1200" dirty="0">
+                <a:latin typeface="微軟正黑體" panose="020B0604030504040204" pitchFamily="34" charset="-120"/>
+                <a:ea typeface="微軟正黑體" panose="020B0604030504040204" pitchFamily="34" charset="-120"/>
+              </a:rPr>
+              <a:t>其他</a:t>
+            </a:r>
+            <a:endParaRPr lang="en-US" altLang="zh-TW" sz="1200" dirty="0">
+              <a:latin typeface="微軟正黑體" panose="020B0604030504040204" pitchFamily="34" charset="-120"/>
+              <a:ea typeface="微軟正黑體" panose="020B0604030504040204" pitchFamily="34" charset="-120"/>
+            </a:endParaRPr>
+          </a:p>
+          <a:p>
+            <a:pPr marL="742950" lvl="1" indent="-285750">
+              <a:buFont typeface="Arial" panose="020B0604020202020204" pitchFamily="34" charset="0"/>
+              <a:buChar char="•"/>
+            </a:pPr>
+            <a:r>
+              <a:rPr lang="en-US" altLang="zh-TW" sz="1200" dirty="0" err="1">
+                <a:latin typeface="微軟正黑體" panose="020B0604030504040204" pitchFamily="34" charset="-120"/>
+                <a:ea typeface="微軟正黑體" panose="020B0604030504040204" pitchFamily="34" charset="-120"/>
+              </a:rPr>
+              <a:t>execlp</a:t>
+            </a:r>
+            <a:r>
+              <a:rPr lang="en-US" altLang="zh-TW" sz="1200" dirty="0">
+                <a:latin typeface="微軟正黑體" panose="020B0604030504040204" pitchFamily="34" charset="-120"/>
+                <a:ea typeface="微軟正黑體" panose="020B0604030504040204" pitchFamily="34" charset="-120"/>
+              </a:rPr>
+              <a:t>(), </a:t>
+            </a:r>
+            <a:r>
+              <a:rPr lang="en-US" altLang="zh-TW" sz="1200" dirty="0" err="1">
+                <a:latin typeface="微軟正黑體" panose="020B0604030504040204" pitchFamily="34" charset="-120"/>
+                <a:ea typeface="微軟正黑體" panose="020B0604030504040204" pitchFamily="34" charset="-120"/>
+              </a:rPr>
+              <a:t>zombie_handler</a:t>
+            </a:r>
+            <a:r>
+              <a:rPr lang="en-US" altLang="zh-TW" sz="1200" dirty="0">
+                <a:latin typeface="微軟正黑體" panose="020B0604030504040204" pitchFamily="34" charset="-120"/>
+                <a:ea typeface="微軟正黑體" panose="020B0604030504040204" pitchFamily="34" charset="-120"/>
+              </a:rPr>
+              <a:t> </a:t>
+            </a:r>
+          </a:p>
+          <a:p>
+            <a:pPr marL="742950" lvl="1" indent="-285750">
+              <a:buFont typeface="Arial" panose="020B0604020202020204" pitchFamily="34" charset="0"/>
+              <a:buChar char="•"/>
+            </a:pPr>
+            <a:endParaRPr lang="en-US" altLang="zh-TW" sz="1200" dirty="0">
+              <a:latin typeface="微軟正黑體" panose="020B0604030504040204" pitchFamily="34" charset="-120"/>
+              <a:ea typeface="微軟正黑體" panose="020B0604030504040204" pitchFamily="34" charset="-120"/>
+            </a:endParaRPr>
+          </a:p>
+          <a:p>
+            <a:pPr marL="742950" lvl="1" indent="-285750">
+              <a:buFont typeface="Arial" panose="020B0604020202020204" pitchFamily="34" charset="0"/>
+              <a:buChar char="•"/>
+            </a:pPr>
+            <a:endParaRPr lang="en-US" altLang="zh-TW" sz="1200" dirty="0">
+              <a:latin typeface="微軟正黑體" panose="020B0604030504040204" pitchFamily="34" charset="-120"/>
+              <a:ea typeface="微軟正黑體" panose="020B0604030504040204" pitchFamily="34" charset="-120"/>
+            </a:endParaRPr>
+          </a:p>
+          <a:p>
+            <a:pPr marL="742950" lvl="1" indent="-285750">
+              <a:buFont typeface="Arial" panose="020B0604020202020204" pitchFamily="34" charset="0"/>
+              <a:buChar char="•"/>
+            </a:pPr>
+            <a:endParaRPr lang="en-US" altLang="zh-TW" sz="1200" dirty="0">
+              <a:latin typeface="微軟正黑體" panose="020B0604030504040204" pitchFamily="34" charset="-120"/>
+              <a:ea typeface="微軟正黑體" panose="020B0604030504040204" pitchFamily="34" charset="-120"/>
+            </a:endParaRPr>
+          </a:p>
+          <a:p>
+            <a:pPr marL="742950" lvl="1" indent="-285750">
+              <a:buFont typeface="Arial" panose="020B0604020202020204" pitchFamily="34" charset="0"/>
+              <a:buChar char="•"/>
+            </a:pPr>
+            <a:endParaRPr lang="en-US" altLang="zh-TW" sz="1200" dirty="0">
+              <a:latin typeface="微軟正黑體" panose="020B0604030504040204" pitchFamily="34" charset="-120"/>
+              <a:ea typeface="微軟正黑體" panose="020B0604030504040204" pitchFamily="34" charset="-120"/>
+            </a:endParaRPr>
+          </a:p>
+          <a:p>
+            <a:pPr marL="285750" indent="-285750">
+              <a:buFont typeface="Arial" panose="020B0604020202020204" pitchFamily="34" charset="0"/>
+              <a:buChar char="•"/>
+            </a:pPr>
+            <a:endParaRPr lang="en-US" altLang="zh-TW" sz="1200" dirty="0">
+              <a:latin typeface="微軟正黑體" panose="020B0604030504040204" pitchFamily="34" charset="-120"/>
+              <a:ea typeface="微軟正黑體" panose="020B0604030504040204" pitchFamily="34" charset="-120"/>
+            </a:endParaRPr>
+          </a:p>
+          <a:p>
+            <a:pPr marL="742950" lvl="1" indent="-285750">
+              <a:buFont typeface="Arial" panose="020B0604020202020204" pitchFamily="34" charset="0"/>
+              <a:buChar char="•"/>
+            </a:pPr>
+            <a:endParaRPr lang="en-US" altLang="zh-TW" sz="1200" dirty="0">
+              <a:latin typeface="微軟正黑體" panose="020B0604030504040204" pitchFamily="34" charset="-120"/>
+              <a:ea typeface="微軟正黑體" panose="020B0604030504040204" pitchFamily="34" charset="-120"/>
+            </a:endParaRPr>
+          </a:p>
+          <a:p>
+            <a:pPr marL="285750" indent="-285750">
+              <a:buFont typeface="Arial" panose="020B0604020202020204" pitchFamily="34" charset="0"/>
+              <a:buChar char="•"/>
+            </a:pPr>
+            <a:endParaRPr lang="en-US" altLang="zh-TW" sz="1200" dirty="0">
+              <a:latin typeface="微軟正黑體" panose="020B0604030504040204" pitchFamily="34" charset="-120"/>
+              <a:ea typeface="微軟正黑體" panose="020B0604030504040204" pitchFamily="34" charset="-120"/>
+            </a:endParaRPr>
+          </a:p>
+          <a:p>
+            <a:pPr marL="742950" lvl="1" indent="-285750">
+              <a:buFont typeface="Arial" panose="020B0604020202020204" pitchFamily="34" charset="0"/>
+              <a:buChar char="•"/>
+            </a:pPr>
+            <a:endParaRPr lang="en-US" altLang="zh-TW" sz="1200" dirty="0">
+              <a:latin typeface="微軟正黑體" panose="020B0604030504040204" pitchFamily="34" charset="-120"/>
+              <a:ea typeface="微軟正黑體" panose="020B0604030504040204" pitchFamily="34" charset="-120"/>
+            </a:endParaRPr>
+          </a:p>
+          <a:p>
+            <a:pPr marL="742950" lvl="1" indent="-285750">
+              <a:buFont typeface="Arial" panose="020B0604020202020204" pitchFamily="34" charset="0"/>
+              <a:buChar char="•"/>
+            </a:pPr>
+            <a:endParaRPr lang="zh-TW" altLang="en-US" sz="1200" dirty="0">
+              <a:latin typeface="微軟正黑體" panose="020B0604030504040204" pitchFamily="34" charset="-120"/>
+              <a:ea typeface="微軟正黑體" panose="020B0604030504040204" pitchFamily="34" charset="-120"/>
+            </a:endParaRPr>
+          </a:p>
+        </p:txBody>
+      </p:sp>
+      <p:pic>
+        <p:nvPicPr>
+          <p:cNvPr id="89" name="圖片 88" descr="一張含有 文字, 螢幕擷取畫面 的圖片&#10;&#10;自動產生的描述">
+            <a:extLst>
+              <a:ext uri="{FF2B5EF4-FFF2-40B4-BE49-F238E27FC236}">
+                <a16:creationId xmlns:a16="http://schemas.microsoft.com/office/drawing/2014/main" id="{B1BD0F2E-FD9F-6781-2123-95D51ADF25B8}"/>
+              </a:ext>
+            </a:extLst>
+          </p:cNvPr>
+          <p:cNvPicPr>
+            <a:picLocks noChangeAspect="1"/>
+          </p:cNvPicPr>
+          <p:nvPr/>
+        </p:nvPicPr>
+        <p:blipFill>
+          <a:blip r:embed="rId2">
+            <a:extLst>
+              <a:ext uri="{28A0092B-C50C-407E-A947-70E740481C1C}">
+                <a14:useLocalDpi xmlns:a14="http://schemas.microsoft.com/office/drawing/2010/main" val="0"/>
+              </a:ext>
+            </a:extLst>
+          </a:blip>
+          <a:stretch>
+            <a:fillRect/>
+          </a:stretch>
+        </p:blipFill>
+        <p:spPr>
+          <a:xfrm>
+            <a:off x="5353648" y="2261143"/>
+            <a:ext cx="6477144" cy="2939251"/>
+          </a:xfrm>
+          <a:prstGeom prst="rect">
+            <a:avLst/>
+          </a:prstGeom>
+        </p:spPr>
+      </p:pic>
     </p:spTree>
     <p:extLst>
       <p:ext uri="{BB962C8B-B14F-4D97-AF65-F5344CB8AC3E}">
@@ -18175,7 +19101,7 @@
         <p:spPr>
           <a:xfrm>
             <a:off x="2632877" y="1714750"/>
-            <a:ext cx="5785385" cy="5027402"/>
+            <a:ext cx="5785385" cy="4196405"/>
           </a:xfrm>
           <a:prstGeom prst="rect">
             <a:avLst/>
@@ -18220,7 +19146,7 @@
                 <a:latin typeface="微軟正黑體" panose="020B0604030504040204" pitchFamily="34" charset="-120"/>
                 <a:ea typeface="微軟正黑體" panose="020B0604030504040204" pitchFamily="34" charset="-120"/>
               </a:rPr>
-              <a:t>簡報</a:t>
+              <a:t>簡報與報告</a:t>
             </a:r>
             <a:r>
               <a:rPr lang="en-US" altLang="zh-TW" dirty="0">
@@ -18243,15 +19169,12 @@
                 <a:latin typeface="微軟正黑體" panose="020B0604030504040204" pitchFamily="34" charset="-120"/>
                 <a:ea typeface="微軟正黑體" panose="020B0604030504040204" pitchFamily="34" charset="-120"/>
               </a:rPr>
-              <a:t>報告</a:t>
+              <a:t>玩家程式與伺服器程式</a:t>
             </a:r>
-            <a:r>
-              <a:rPr lang="en-US" altLang="zh-TW" dirty="0">
-                <a:latin typeface="微軟正黑體" panose="020B0604030504040204" pitchFamily="34" charset="-120"/>
-                <a:ea typeface="微軟正黑體" panose="020B0604030504040204" pitchFamily="34" charset="-120"/>
-              </a:rPr>
-              <a:t>50%</a:t>
-            </a:r>
+            <a:endParaRPr lang="en-US" altLang="zh-TW" dirty="0">
+              <a:latin typeface="微軟正黑體" panose="020B0604030504040204" pitchFamily="34" charset="-120"/>
+              <a:ea typeface="微軟正黑體" panose="020B0604030504040204" pitchFamily="34" charset="-120"/>
+            </a:endParaRPr>
           </a:p>
           <a:p>
             <a:pPr marL="742950" lvl="1" indent="-285750">
@@ -18266,7 +19189,7 @@
                 <a:latin typeface="微軟正黑體" panose="020B0604030504040204" pitchFamily="34" charset="-120"/>
                 <a:ea typeface="微軟正黑體" panose="020B0604030504040204" pitchFamily="34" charset="-120"/>
               </a:rPr>
-              <a:t>設備採買</a:t>
+              <a:t>自走車馬達控制與鏡頭</a:t>
             </a:r>
             <a:endParaRPr lang="en-US" altLang="zh-TW" dirty="0">
               <a:latin typeface="微軟正黑體" panose="020B0604030504040204" pitchFamily="34" charset="-120"/>
@@ -18286,35 +19209,12 @@
                 <a:latin typeface="微軟正黑體" panose="020B0604030504040204" pitchFamily="34" charset="-120"/>
                 <a:ea typeface="微軟正黑體" panose="020B0604030504040204" pitchFamily="34" charset="-120"/>
               </a:rPr>
-              <a:t>自走車</a:t>
+              <a:t>排行榜設計</a:t>
             </a:r>
             <a:endParaRPr lang="en-US" altLang="zh-TW" dirty="0">
               <a:latin typeface="微軟正黑體" panose="020B0604030504040204" pitchFamily="34" charset="-120"/>
               <a:ea typeface="微軟正黑體" panose="020B0604030504040204" pitchFamily="34" charset="-120"/>
             </a:endParaRPr>
-          </a:p>
-          <a:p>
-            <a:pPr marL="742950" lvl="1" indent="-285750">
-              <a:lnSpc>
-                <a:spcPct val="150000"/>
-              </a:lnSpc>
-              <a:buFont typeface="Arial" panose="020B0604020202020204" pitchFamily="34" charset="0"/>
-              <a:buChar char="•"/>
-            </a:pPr>
-            <a:r>
-              <a:rPr lang="zh-TW" altLang="en-US" dirty="0">
-                <a:latin typeface="微軟正黑體" panose="020B0604030504040204" pitchFamily="34" charset="-120"/>
-                <a:ea typeface="微軟正黑體" panose="020B0604030504040204" pitchFamily="34" charset="-120"/>
-              </a:rPr>
-              <a:t>排行榜等設計 </a:t>
-            </a:r>
-            <a:r>
-              <a:rPr lang="en-US" altLang="zh-TW" dirty="0">
-                <a:latin typeface="微軟正黑體" panose="020B0604030504040204" pitchFamily="34" charset="-120"/>
-                <a:ea typeface="微軟正黑體" panose="020B0604030504040204" pitchFamily="34" charset="-120"/>
-              </a:rPr>
-              <a:t>50%</a:t>
-            </a:r>
           </a:p>
           <a:p>
             <a:pPr marL="285750" indent="-285750">
@@ -18349,7 +19249,7 @@
                 <a:latin typeface="微軟正黑體" panose="020B0604030504040204" pitchFamily="34" charset="-120"/>
                 <a:ea typeface="微軟正黑體" panose="020B0604030504040204" pitchFamily="34" charset="-120"/>
               </a:rPr>
-              <a:t>簡報</a:t>
+              <a:t>簡報與報告</a:t>
             </a:r>
             <a:r>
               <a:rPr lang="en-US" altLang="zh-TW" dirty="0">
@@ -18372,15 +19272,12 @@
                 <a:latin typeface="微軟正黑體" panose="020B0604030504040204" pitchFamily="34" charset="-120"/>
                 <a:ea typeface="微軟正黑體" panose="020B0604030504040204" pitchFamily="34" charset="-120"/>
               </a:rPr>
-              <a:t>報告</a:t>
+              <a:t>球門硬體設備</a:t>
             </a:r>
-            <a:r>
-              <a:rPr lang="en-US" altLang="zh-TW" dirty="0">
-                <a:latin typeface="微軟正黑體" panose="020B0604030504040204" pitchFamily="34" charset="-120"/>
-                <a:ea typeface="微軟正黑體" panose="020B0604030504040204" pitchFamily="34" charset="-120"/>
-              </a:rPr>
-              <a:t>50%</a:t>
-            </a:r>
+            <a:endParaRPr lang="en-US" altLang="zh-TW" dirty="0">
+              <a:latin typeface="微軟正黑體" panose="020B0604030504040204" pitchFamily="34" charset="-120"/>
+              <a:ea typeface="微軟正黑體" panose="020B0604030504040204" pitchFamily="34" charset="-120"/>
+            </a:endParaRPr>
           </a:p>
           <a:p>
             <a:pPr marL="742950" lvl="1" indent="-285750">
@@ -18415,31 +19312,12 @@
                 <a:latin typeface="微軟正黑體" panose="020B0604030504040204" pitchFamily="34" charset="-120"/>
                 <a:ea typeface="微軟正黑體" panose="020B0604030504040204" pitchFamily="34" charset="-120"/>
               </a:rPr>
-              <a:t>排行榜等設計</a:t>
+              <a:t>自走車的軟體設計</a:t>
             </a:r>
-            <a:r>
-              <a:rPr lang="en-US" altLang="zh-TW" dirty="0">
-                <a:latin typeface="微軟正黑體" panose="020B0604030504040204" pitchFamily="34" charset="-120"/>
-                <a:ea typeface="微軟正黑體" panose="020B0604030504040204" pitchFamily="34" charset="-120"/>
-              </a:rPr>
-              <a:t>50%</a:t>
-            </a:r>
-          </a:p>
-          <a:p>
-            <a:pPr marL="742950" lvl="1" indent="-285750">
-              <a:lnSpc>
-                <a:spcPct val="150000"/>
-              </a:lnSpc>
-              <a:buFont typeface="Arial" panose="020B0604020202020204" pitchFamily="34" charset="0"/>
-              <a:buChar char="•"/>
-            </a:pPr>
-            <a:r>
-              <a:rPr lang="zh-TW" altLang="en-US" dirty="0">
-                <a:latin typeface="微軟正黑體" panose="020B0604030504040204" pitchFamily="34" charset="-120"/>
-                <a:ea typeface="微軟正黑體" panose="020B0604030504040204" pitchFamily="34" charset="-120"/>
-              </a:rPr>
-              <a:t>使用者介面</a:t>
-            </a:r>
+            <a:endParaRPr lang="en-US" altLang="zh-TW" dirty="0">
+              <a:latin typeface="微軟正黑體" panose="020B0604030504040204" pitchFamily="34" charset="-120"/>
+              <a:ea typeface="微軟正黑體" panose="020B0604030504040204" pitchFamily="34" charset="-120"/>
+            </a:endParaRPr>
           </a:p>
         </p:txBody>
       </p:sp>
@@ -21212,8 +22090,8 @@
         </p:nvSpPr>
         <p:spPr>
           <a:xfrm>
-            <a:off x="2211441" y="1993668"/>
-            <a:ext cx="8016734" cy="4108817"/>
+            <a:off x="2178045" y="1997987"/>
+            <a:ext cx="8016734" cy="3373937"/>
           </a:xfrm>
           <a:prstGeom prst="rect">
             <a:avLst/>
@@ -21258,7 +22136,27 @@
                 <a:latin typeface="微軟正黑體" panose="020B0604030504040204" pitchFamily="34" charset="-120"/>
                 <a:ea typeface="微軟正黑體" panose="020B0604030504040204" pitchFamily="34" charset="-120"/>
               </a:rPr>
-              <a:t>自走車上配有鏡頭可供觀看，若時間允許會設計使用者介面。</a:t>
+              <a:t>支援多位玩家同時存取自走車控制權</a:t>
+            </a:r>
+            <a:endParaRPr lang="en-US" altLang="zh-TW" dirty="0">
+              <a:latin typeface="微軟正黑體" panose="020B0604030504040204" pitchFamily="34" charset="-120"/>
+              <a:ea typeface="微軟正黑體" panose="020B0604030504040204" pitchFamily="34" charset="-120"/>
+            </a:endParaRPr>
+          </a:p>
+          <a:p>
+            <a:pPr marL="342900" indent="-342900">
+              <a:lnSpc>
+                <a:spcPct val="150000"/>
+              </a:lnSpc>
+              <a:buFont typeface="+mj-lt"/>
+              <a:buAutoNum type="arabicPeriod"/>
+            </a:pPr>
+            <a:r>
+              <a:rPr lang="zh-TW" altLang="en-US" dirty="0">
+                <a:latin typeface="微軟正黑體" panose="020B0604030504040204" pitchFamily="34" charset="-120"/>
+                <a:ea typeface="微軟正黑體" panose="020B0604030504040204" pitchFamily="34" charset="-120"/>
+              </a:rPr>
+              <a:t>自走車上配有鏡頭可供觀看</a:t>
             </a:r>
             <a:endParaRPr lang="en-US" altLang="zh-TW" dirty="0">
               <a:latin typeface="微軟正黑體" panose="020B0604030504040204" pitchFamily="34" charset="-120"/>
@@ -21312,21 +22210,7 @@
                 <a:latin typeface="微軟正黑體" panose="020B0604030504040204" pitchFamily="34" charset="-120"/>
                 <a:ea typeface="微軟正黑體" panose="020B0604030504040204" pitchFamily="34" charset="-120"/>
               </a:rPr>
-              <a:t>燈亮、蜂鳴器叫、另有兩台</a:t>
-            </a:r>
-            <a:r>
-              <a:rPr lang="en-US" altLang="zh-TW" dirty="0">
-                <a:latin typeface="微軟正黑體" panose="020B0604030504040204" pitchFamily="34" charset="-120"/>
-                <a:ea typeface="微軟正黑體" panose="020B0604030504040204" pitchFamily="34" charset="-120"/>
-              </a:rPr>
-              <a:t>4digit displayer</a:t>
-            </a:r>
-            <a:r>
-              <a:rPr lang="zh-TW" altLang="en-US" dirty="0">
-                <a:latin typeface="微軟正黑體" panose="020B0604030504040204" pitchFamily="34" charset="-120"/>
-                <a:ea typeface="微軟正黑體" panose="020B0604030504040204" pitchFamily="34" charset="-120"/>
-              </a:rPr>
-              <a:t>倒數時間與紀錄分數</a:t>
+              <a:t>燈亮、蜂鳴器叫、另有七段顯示器倒數時間與紀錄分數</a:t>
             </a:r>
             <a:r>
               <a:rPr lang="en-US" altLang="zh-TW" dirty="0">
@@ -21392,52 +22276,8 @@
                 <a:latin typeface="微軟正黑體" panose="020B0604030504040204" pitchFamily="34" charset="-120"/>
                 <a:ea typeface="微軟正黑體" panose="020B0604030504040204" pitchFamily="34" charset="-120"/>
               </a:rPr>
-              <a:t>自走車上也備有</a:t>
+              <a:t>提供分數紀錄，輸入姓名開始遊玩，也提供排行榜功能</a:t>
             </a:r>
-            <a:r>
-              <a:rPr lang="en-US" altLang="zh-TW" dirty="0">
-                <a:latin typeface="微軟正黑體" panose="020B0604030504040204" pitchFamily="34" charset="-120"/>
-                <a:ea typeface="微軟正黑體" panose="020B0604030504040204" pitchFamily="34" charset="-120"/>
-              </a:rPr>
-              <a:t>8*8 LED</a:t>
-            </a:r>
-            <a:r>
-              <a:rPr lang="zh-TW" altLang="en-US" dirty="0">
-                <a:latin typeface="微軟正黑體" panose="020B0604030504040204" pitchFamily="34" charset="-120"/>
-                <a:ea typeface="微軟正黑體" panose="020B0604030504040204" pitchFamily="34" charset="-120"/>
-              </a:rPr>
-              <a:t>點矩陣，顯示使用者移動方向與得分時閃爍。</a:t>
-            </a:r>
-            <a:endParaRPr lang="en-US" altLang="zh-TW" dirty="0">
-              <a:latin typeface="微軟正黑體" panose="020B0604030504040204" pitchFamily="34" charset="-120"/>
-              <a:ea typeface="微軟正黑體" panose="020B0604030504040204" pitchFamily="34" charset="-120"/>
-            </a:endParaRPr>
-          </a:p>
-          <a:p>
-            <a:pPr marL="342900" indent="-342900">
-              <a:lnSpc>
-                <a:spcPct val="150000"/>
-              </a:lnSpc>
-              <a:buFont typeface="+mj-lt"/>
-              <a:buAutoNum type="arabicPeriod"/>
-            </a:pPr>
-            <a:r>
-              <a:rPr lang="zh-TW" altLang="en-US" dirty="0">
-                <a:latin typeface="微軟正黑體" panose="020B0604030504040204" pitchFamily="34" charset="-120"/>
-                <a:ea typeface="微軟正黑體" panose="020B0604030504040204" pitchFamily="34" charset="-120"/>
-              </a:rPr>
-              <a:t>提供分數紀錄，輸入姓名開始遊玩，也提供排行榜功能，若時間允許會設計使用者介面。</a:t>
-            </a:r>
-            <a:endParaRPr lang="en-US" altLang="zh-TW" dirty="0">
-              <a:latin typeface="微軟正黑體" panose="020B0604030504040204" pitchFamily="34" charset="-120"/>
-              <a:ea typeface="微軟正黑體" panose="020B0604030504040204" pitchFamily="34" charset="-120"/>
-            </a:endParaRPr>
-          </a:p>
-          <a:p>
-            <a:pPr marL="342900" indent="-342900">
-              <a:buFont typeface="+mj-lt"/>
-              <a:buAutoNum type="arabicPeriod"/>
-            </a:pPr>
             <a:endParaRPr lang="zh-TW" altLang="en-US" dirty="0"/>
           </a:p>
         </p:txBody>
@@ -22359,10 +23199,10 @@
         </p:nvGrpSpPr>
         <p:grpSpPr>
           <a:xfrm>
-            <a:off x="1594617" y="1649793"/>
-            <a:ext cx="9002763" cy="3725088"/>
-            <a:chOff x="1683201" y="2007517"/>
-            <a:chExt cx="9002763" cy="3725088"/>
+            <a:off x="1631876" y="1685017"/>
+            <a:ext cx="8965505" cy="3725088"/>
+            <a:chOff x="1720459" y="2007517"/>
+            <a:chExt cx="8965505" cy="3725088"/>
           </a:xfrm>
         </p:grpSpPr>
         <p:grpSp>
@@ -22379,10 +23219,10 @@
           </p:nvGrpSpPr>
           <p:grpSpPr>
             <a:xfrm>
-              <a:off x="1683201" y="2007517"/>
-              <a:ext cx="9002763" cy="3725088"/>
-              <a:chOff x="1683201" y="2007517"/>
-              <a:chExt cx="9002763" cy="3725088"/>
+              <a:off x="1720459" y="2007517"/>
+              <a:ext cx="8965505" cy="3725088"/>
+              <a:chOff x="1720459" y="2007517"/>
+              <a:chExt cx="8965505" cy="3725088"/>
             </a:xfrm>
           </p:grpSpPr>
           <p:grpSp>
@@ -22399,10 +23239,10 @@
             </p:nvGrpSpPr>
             <p:grpSpPr>
               <a:xfrm>
-                <a:off x="1683201" y="2007517"/>
-                <a:ext cx="9002763" cy="3725088"/>
-                <a:chOff x="1683201" y="2007517"/>
-                <a:chExt cx="9002763" cy="3725088"/>
+                <a:off x="1720459" y="2007517"/>
+                <a:ext cx="8965505" cy="3725088"/>
+                <a:chOff x="1720459" y="2007517"/>
+                <a:chExt cx="8965505" cy="3725088"/>
               </a:xfrm>
             </p:grpSpPr>
             <p:sp>
@@ -22830,7 +23670,7 @@
               </p:blipFill>
               <p:spPr>
                 <a:xfrm>
-                  <a:off x="1683201" y="3062207"/>
+                  <a:off x="1720459" y="2721517"/>
                   <a:ext cx="1685720" cy="1685720"/>
                 </a:xfrm>
                 <a:prstGeom prst="rect">
@@ -22982,42 +23822,6 @@
                 </a:prstGeom>
               </p:spPr>
             </p:pic>
-            <p:pic>
-              <p:nvPicPr>
-                <p:cNvPr id="43" name="圖片 42" descr="一張含有 樣式, 設計, 黑與白 的圖片&#10;&#10;自動產生的描述">
-                  <a:extLst>
-                    <a:ext uri="{FF2B5EF4-FFF2-40B4-BE49-F238E27FC236}">
-                      <a16:creationId xmlns:a16="http://schemas.microsoft.com/office/drawing/2014/main" id="{1D5BD434-3F5C-F955-F548-8956C7CE1ADD}"/>
-                    </a:ext>
-                  </a:extLst>
-                </p:cNvPr>
-                <p:cNvPicPr>
-                  <a:picLocks noChangeAspect="1"/>
-                </p:cNvPicPr>
-                <p:nvPr/>
-              </p:nvPicPr>
-              <p:blipFill>
-                <a:blip r:embed="rId6">
-                  <a:extLst>
-                    <a:ext uri="{28A0092B-C50C-407E-A947-70E740481C1C}">
-                      <a14:useLocalDpi xmlns:a14="http://schemas.microsoft.com/office/drawing/2010/main" val="0"/>
-                    </a:ext>
-                  </a:extLst>
-                </a:blip>
-                <a:stretch>
-                  <a:fillRect/>
-                </a:stretch>
-              </p:blipFill>
-              <p:spPr>
-                <a:xfrm>
-                  <a:off x="1690831" y="2570877"/>
-                  <a:ext cx="1653289" cy="930906"/>
-                </a:xfrm>
-                <a:prstGeom prst="rect">
-                  <a:avLst/>
-                </a:prstGeom>
-              </p:spPr>
-            </p:pic>
           </p:grpSp>
           <p:pic>
             <p:nvPicPr>
@@ -23034,7 +23838,7 @@
               <p:nvPr/>
             </p:nvPicPr>
             <p:blipFill rotWithShape="1">
-              <a:blip r:embed="rId7">
+              <a:blip r:embed="rId6">
                 <a:extLst>
                   <a:ext uri="{28A0092B-C50C-407E-A947-70E740481C1C}">
                     <a14:useLocalDpi xmlns:a14="http://schemas.microsoft.com/office/drawing/2010/main" val="0"/>
@@ -23093,7 +23897,7 @@
           </p:blipFill>
           <p:spPr>
             <a:xfrm>
-              <a:off x="2219112" y="4263116"/>
+              <a:off x="2098340" y="3938643"/>
               <a:ext cx="628984" cy="1108210"/>
             </a:xfrm>
             <a:prstGeom prst="rect">
@@ -24980,7 +25784,7 @@
         <p:spPr>
           <a:xfrm>
             <a:off x="3748841" y="2103403"/>
-            <a:ext cx="4485793" cy="4108817"/>
+            <a:ext cx="4485793" cy="3693319"/>
           </a:xfrm>
           <a:prstGeom prst="rect">
             <a:avLst/>
@@ -25023,42 +25827,12 @@
               </a:rPr>
               <a:t>LED</a:t>
             </a:r>
-          </a:p>
-          <a:p>
-            <a:pPr marL="285750" indent="-285750">
-              <a:lnSpc>
-                <a:spcPct val="150000"/>
-              </a:lnSpc>
-              <a:buFont typeface="Arial" panose="020B0604020202020204" pitchFamily="34" charset="0"/>
-              <a:buChar char="•"/>
-            </a:pPr>
-            <a:r>
-              <a:rPr lang="en-US" altLang="zh-TW" dirty="0">
-                <a:latin typeface="微軟正黑體" panose="020B0604030504040204" pitchFamily="34" charset="-120"/>
-                <a:ea typeface="微軟正黑體" panose="020B0604030504040204" pitchFamily="34" charset="-120"/>
-              </a:rPr>
-              <a:t>8*8</a:t>
-            </a:r>
             <a:r>
               <a:rPr lang="zh-TW" altLang="en-US" dirty="0">
                 <a:latin typeface="微軟正黑體" panose="020B0604030504040204" pitchFamily="34" charset="-120"/>
                 <a:ea typeface="微軟正黑體" panose="020B0604030504040204" pitchFamily="34" charset="-120"/>
               </a:rPr>
-              <a:t> </a:t>
-            </a:r>
-            <a:r>
-              <a:rPr lang="en-US" altLang="zh-TW" dirty="0">
-                <a:latin typeface="微軟正黑體" panose="020B0604030504040204" pitchFamily="34" charset="-120"/>
-                <a:ea typeface="微軟正黑體" panose="020B0604030504040204" pitchFamily="34" charset="-120"/>
-              </a:rPr>
-              <a:t>LED</a:t>
-            </a:r>
-            <a:r>
-              <a:rPr lang="zh-TW" altLang="en-US" dirty="0">
-                <a:latin typeface="微軟正黑體" panose="020B0604030504040204" pitchFamily="34" charset="-120"/>
-                <a:ea typeface="微軟正黑體" panose="020B0604030504040204" pitchFamily="34" charset="-120"/>
-              </a:rPr>
-              <a:t>點矩陣</a:t>
+              <a:t>、 蜂鳴器</a:t>
             </a:r>
             <a:endParaRPr lang="en-US" altLang="zh-TW" dirty="0">
               <a:latin typeface="微軟正黑體" panose="020B0604030504040204" pitchFamily="34" charset="-120"/>
@@ -25098,7 +25872,7 @@
                 <a:latin typeface="微軟正黑體" panose="020B0604030504040204" pitchFamily="34" charset="-120"/>
                 <a:ea typeface="微軟正黑體" panose="020B0604030504040204" pitchFamily="34" charset="-120"/>
               </a:rPr>
-              <a:t>自走車</a:t>
+              <a:t>自走車套件</a:t>
             </a:r>
             <a:endParaRPr lang="en-US" altLang="zh-TW" dirty="0">
               <a:latin typeface="微軟正黑體" panose="020B0604030504040204" pitchFamily="34" charset="-120"/>
@@ -25171,16 +25945,12 @@
               <a:buChar char="•"/>
             </a:pPr>
             <a:r>
-              <a:rPr lang="zh-TW" altLang="en-US" dirty="0">
+              <a:rPr lang="en-US" altLang="zh-TW" dirty="0">
                 <a:latin typeface="微軟正黑體" panose="020B0604030504040204" pitchFamily="34" charset="-120"/>
                 <a:ea typeface="微軟正黑體" panose="020B0604030504040204" pitchFamily="34" charset="-120"/>
               </a:rPr>
-              <a:t>電腦</a:t>
+              <a:t>PC</a:t>
             </a:r>
-            <a:endParaRPr lang="en-US" altLang="zh-TW" dirty="0">
-              <a:latin typeface="微軟正黑體" panose="020B0604030504040204" pitchFamily="34" charset="-120"/>
-              <a:ea typeface="微軟正黑體" panose="020B0604030504040204" pitchFamily="34" charset="-120"/>
-            </a:endParaRPr>
           </a:p>
           <a:p>
             <a:pPr marL="285750" indent="-285750">
@@ -26224,19 +26994,22 @@
                 <a:latin typeface="微軟正黑體" panose="020B0604030504040204" pitchFamily="34" charset="-120"/>
                 <a:ea typeface="微軟正黑體" panose="020B0604030504040204" pitchFamily="34" charset="-120"/>
               </a:rPr>
-              <a:t>LED</a:t>
+              <a:t>LED(</a:t>
             </a:r>
             <a:r>
               <a:rPr lang="zh-TW" altLang="en-US" dirty="0">
                 <a:latin typeface="微軟正黑體" panose="020B0604030504040204" pitchFamily="34" charset="-120"/>
                 <a:ea typeface="微軟正黑體" panose="020B0604030504040204" pitchFamily="34" charset="-120"/>
               </a:rPr>
-              <a:t>、蜂鳴器</a:t>
+              <a:t>蜂鳴器</a:t>
             </a:r>
-            <a:endParaRPr lang="en-US" altLang="zh-TW" dirty="0">
-              <a:latin typeface="微軟正黑體" panose="020B0604030504040204" pitchFamily="34" charset="-120"/>
-              <a:ea typeface="微軟正黑體" panose="020B0604030504040204" pitchFamily="34" charset="-120"/>
-            </a:endParaRPr>
+            <a:r>
+              <a:rPr lang="en-US" altLang="zh-TW" dirty="0">
+                <a:latin typeface="微軟正黑體" panose="020B0604030504040204" pitchFamily="34" charset="-120"/>
+                <a:ea typeface="微軟正黑體" panose="020B0604030504040204" pitchFamily="34" charset="-120"/>
+              </a:rPr>
+              <a:t>)</a:t>
+            </a:r>
           </a:p>
           <a:p>
             <a:pPr marL="285750" indent="-285750">
